--- a/presentation/GraphQL_t7oele00.pptx
+++ b/presentation/GraphQL_t7oele00.pptx
@@ -5,7 +5,7 @@
     <p:sldMasterId id="2147483684" r:id="rId1"/>
   </p:sldMasterIdLst>
   <p:notesMasterIdLst>
-    <p:notesMasterId r:id="rId29"/>
+    <p:notesMasterId r:id="rId35"/>
   </p:notesMasterIdLst>
   <p:sldIdLst>
     <p:sldId id="256" r:id="rId2"/>
@@ -35,6 +35,12 @@
     <p:sldId id="280" r:id="rId26"/>
     <p:sldId id="281" r:id="rId27"/>
     <p:sldId id="282" r:id="rId28"/>
+    <p:sldId id="283" r:id="rId29"/>
+    <p:sldId id="284" r:id="rId30"/>
+    <p:sldId id="285" r:id="rId31"/>
+    <p:sldId id="286" r:id="rId32"/>
+    <p:sldId id="287" r:id="rId33"/>
+    <p:sldId id="288" r:id="rId34"/>
   </p:sldIdLst>
   <p:sldSz cx="12192000" cy="6858000"/>
   <p:notesSz cx="6858000" cy="9144000"/>
@@ -133,6 +139,11 @@
       </a:defRPr>
     </a:lvl9pPr>
   </p:defaultTextStyle>
+  <p:extLst>
+    <p:ext uri="{EFAFB233-063F-42B5-8137-9DF3F51BA10A}">
+      <p15:sldGuideLst xmlns:p15="http://schemas.microsoft.com/office/powerpoint/2012/main"/>
+    </p:ext>
+  </p:extLst>
 </p:presentation>
 </file>
 
@@ -9738,7 +9749,7 @@
             </a:r>
             <a:r>
               <a:rPr lang="en-US" dirty="0"/>
-              <a:t> package comes with many different handy properties which will help set up the types, root queries, fields and mutations</a:t>
+              <a:t> package comes with many different handy properties which will help set up the types, root queries, fields and mutations.</a:t>
             </a:r>
             <a:endParaRPr lang="en-FI" dirty="0"/>
           </a:p>
@@ -10560,7 +10571,7 @@
             </a:r>
             <a:r>
               <a:rPr lang="en-US" dirty="0"/>
-              <a:t> property</a:t>
+              <a:t> property.</a:t>
             </a:r>
             <a:endParaRPr lang="en-FI" dirty="0"/>
           </a:p>
@@ -11553,7 +11564,7 @@
 </p:sld>
 </file>
 
-<file path=ppt/slides/slide3.xml><?xml version="1.0" encoding="utf-8"?>
+<file path=ppt/slides/slide28.xml><?xml version="1.0" encoding="utf-8"?>
 <p:sld xmlns:a="http://schemas.openxmlformats.org/drawingml/2006/main" xmlns:r="http://schemas.openxmlformats.org/officeDocument/2006/relationships" xmlns:p="http://schemas.openxmlformats.org/presentationml/2006/main">
   <p:cSld>
     <p:bg>
@@ -11819,7 +11830,7 @@
           <p:cNvPr id="2" name="Title 1">
             <a:extLst>
               <a:ext uri="{FF2B5EF4-FFF2-40B4-BE49-F238E27FC236}">
-                <a16:creationId xmlns:a16="http://schemas.microsoft.com/office/drawing/2014/main" id="{4D3D8F6E-33A3-47FB-9768-802534479B26}"/>
+                <a16:creationId xmlns:a16="http://schemas.microsoft.com/office/drawing/2014/main" id="{539BC57A-5C8B-4858-B0F9-FB5D8E4EA0DD}"/>
               </a:ext>
             </a:extLst>
           </p:cNvPr>
@@ -11845,7 +11856,7 @@
             <a:pPr algn="ctr"/>
             <a:r>
               <a:rPr lang="en-US" sz="7200" cap="all"/>
-              <a:t>What is GraphQL?</a:t>
+              <a:t>GraphQL &amp; React</a:t>
             </a:r>
           </a:p>
         </p:txBody>
@@ -12003,7 +12014,7 @@
           <p:cNvPr id="4" name="Picture 6" descr="Kuvahaun tulos haulle graphql">
             <a:extLst>
               <a:ext uri="{FF2B5EF4-FFF2-40B4-BE49-F238E27FC236}">
-                <a16:creationId xmlns:a16="http://schemas.microsoft.com/office/drawing/2014/main" id="{1BE2F3EF-7014-4922-B768-31C747AD4B46}"/>
+                <a16:creationId xmlns:a16="http://schemas.microsoft.com/office/drawing/2014/main" id="{FCE4AE31-97D2-4A01-A513-F21327D496DD}"/>
               </a:ext>
             </a:extLst>
           </p:cNvPr>
@@ -12049,12 +12060,2495 @@
     </p:spTree>
     <p:extLst>
       <p:ext uri="{BB962C8B-B14F-4D97-AF65-F5344CB8AC3E}">
+        <p14:creationId xmlns:p14="http://schemas.microsoft.com/office/powerpoint/2010/main" val="1277705464"/>
+      </p:ext>
+    </p:extLst>
+  </p:cSld>
+  <p:clrMapOvr>
+    <a:masterClrMapping/>
+  </p:clrMapOvr>
+</p:sld>
+</file>
+
+<file path=ppt/slides/slide29.xml><?xml version="1.0" encoding="utf-8"?>
+<p:sld xmlns:a="http://schemas.openxmlformats.org/drawingml/2006/main" xmlns:r="http://schemas.openxmlformats.org/officeDocument/2006/relationships" xmlns:p="http://schemas.openxmlformats.org/presentationml/2006/main">
+  <p:cSld>
+    <p:spTree>
+      <p:nvGrpSpPr>
+        <p:cNvPr id="1" name=""/>
+        <p:cNvGrpSpPr/>
+        <p:nvPr/>
+      </p:nvGrpSpPr>
+      <p:grpSpPr>
+        <a:xfrm>
+          <a:off x="0" y="0"/>
+          <a:ext cx="0" cy="0"/>
+          <a:chOff x="0" y="0"/>
+          <a:chExt cx="0" cy="0"/>
+        </a:xfrm>
+      </p:grpSpPr>
+      <p:sp>
+        <p:nvSpPr>
+          <p:cNvPr id="2" name="Title 1">
+            <a:extLst>
+              <a:ext uri="{FF2B5EF4-FFF2-40B4-BE49-F238E27FC236}">
+                <a16:creationId xmlns:a16="http://schemas.microsoft.com/office/drawing/2014/main" id="{FC7E3088-DB9F-422E-A6DB-E7ABF5E40E7F}"/>
+              </a:ext>
+            </a:extLst>
+          </p:cNvPr>
+          <p:cNvSpPr>
+            <a:spLocks noGrp="1"/>
+          </p:cNvSpPr>
+          <p:nvPr>
+            <p:ph type="title"/>
+          </p:nvPr>
+        </p:nvSpPr>
+        <p:spPr/>
+        <p:txBody>
+          <a:bodyPr/>
+          <a:lstStyle/>
+          <a:p>
+            <a:r>
+              <a:rPr lang="en-US" dirty="0" err="1"/>
+              <a:t>GraphQL</a:t>
+            </a:r>
+            <a:r>
+              <a:rPr lang="en-US" dirty="0"/>
+              <a:t> &amp; React</a:t>
+            </a:r>
+            <a:endParaRPr lang="en-FI" dirty="0"/>
+          </a:p>
+        </p:txBody>
+      </p:sp>
+      <p:sp>
+        <p:nvSpPr>
+          <p:cNvPr id="3" name="Content Placeholder 2">
+            <a:extLst>
+              <a:ext uri="{FF2B5EF4-FFF2-40B4-BE49-F238E27FC236}">
+                <a16:creationId xmlns:a16="http://schemas.microsoft.com/office/drawing/2014/main" id="{5BFCAF94-27A7-48D8-8E5D-FE154A02AEF8}"/>
+              </a:ext>
+            </a:extLst>
+          </p:cNvPr>
+          <p:cNvSpPr>
+            <a:spLocks noGrp="1"/>
+          </p:cNvSpPr>
+          <p:nvPr>
+            <p:ph idx="1"/>
+          </p:nvPr>
+        </p:nvSpPr>
+        <p:spPr/>
+        <p:txBody>
+          <a:bodyPr>
+            <a:normAutofit lnSpcReduction="10000"/>
+          </a:bodyPr>
+          <a:lstStyle/>
+          <a:p>
+            <a:r>
+              <a:rPr lang="en-US" dirty="0"/>
+              <a:t>Use of Apollo Client</a:t>
+            </a:r>
+          </a:p>
+          <a:p>
+            <a:pPr lvl="1"/>
+            <a:r>
+              <a:rPr lang="en-US" dirty="0"/>
+              <a:t>Apollo Client is a complete state management library for JavaScript apps. Simply write a </a:t>
+            </a:r>
+            <a:r>
+              <a:rPr lang="en-US" dirty="0" err="1"/>
+              <a:t>GraphQL</a:t>
+            </a:r>
+            <a:r>
+              <a:rPr lang="en-US" dirty="0"/>
+              <a:t> query, and Apollo Client will take care of requesting and caching your data, as well as updating your UI.</a:t>
+            </a:r>
+          </a:p>
+          <a:p>
+            <a:pPr marL="530352" lvl="1" indent="0">
+              <a:buNone/>
+            </a:pPr>
+            <a:r>
+              <a:rPr lang="en-US" dirty="0"/>
+              <a:t>	Fetching data with Apollo Client guides you to structure your code in a 	predictable, declarative way consistent with modern React best practices. With 	Apollo, you can build high-quality features faster without the hassle of writing 	data plumbing boilerplate.</a:t>
+            </a:r>
+          </a:p>
+          <a:p>
+            <a:pPr marL="530352" lvl="1" indent="0">
+              <a:buNone/>
+            </a:pPr>
+            <a:endParaRPr lang="en-US" dirty="0"/>
+          </a:p>
+          <a:p>
+            <a:r>
+              <a:rPr lang="en-US" dirty="0"/>
+              <a:t>Other dependencies from the React-Apollo library such as </a:t>
+            </a:r>
+            <a:r>
+              <a:rPr lang="en-US" dirty="0" err="1"/>
+              <a:t>gql</a:t>
+            </a:r>
+            <a:r>
+              <a:rPr lang="en-US" dirty="0"/>
+              <a:t>, which allows you to process </a:t>
+            </a:r>
+            <a:r>
+              <a:rPr lang="en-US" dirty="0" err="1"/>
+              <a:t>GraphQL</a:t>
+            </a:r>
+            <a:r>
+              <a:rPr lang="en-US" dirty="0"/>
+              <a:t> queries from React</a:t>
+            </a:r>
+          </a:p>
+        </p:txBody>
+      </p:sp>
+      <p:pic>
+        <p:nvPicPr>
+          <p:cNvPr id="4" name="Picture 6" descr="Kuvahaun tulos haulle graphql">
+            <a:extLst>
+              <a:ext uri="{FF2B5EF4-FFF2-40B4-BE49-F238E27FC236}">
+                <a16:creationId xmlns:a16="http://schemas.microsoft.com/office/drawing/2014/main" id="{6AF69095-B4A7-49C4-AAAB-FF43CF1C88CB}"/>
+              </a:ext>
+            </a:extLst>
+          </p:cNvPr>
+          <p:cNvPicPr>
+            <a:picLocks noChangeAspect="1" noChangeArrowheads="1"/>
+          </p:cNvPicPr>
+          <p:nvPr/>
+        </p:nvPicPr>
+        <p:blipFill>
+          <a:blip r:embed="rId2">
+            <a:extLst>
+              <a:ext uri="{28A0092B-C50C-407E-A947-70E740481C1C}">
+                <a14:useLocalDpi xmlns:a14="http://schemas.microsoft.com/office/drawing/2010/main" val="0"/>
+              </a:ext>
+            </a:extLst>
+          </a:blip>
+          <a:srcRect/>
+          <a:stretch>
+            <a:fillRect/>
+          </a:stretch>
+        </p:blipFill>
+        <p:spPr bwMode="auto">
+          <a:xfrm>
+            <a:off x="10972800" y="685800"/>
+            <a:ext cx="951722" cy="951722"/>
+          </a:xfrm>
+          <a:prstGeom prst="rect">
+            <a:avLst/>
+          </a:prstGeom>
+          <a:noFill/>
+          <a:extLst>
+            <a:ext uri="{909E8E84-426E-40DD-AFC4-6F175D3DCCD1}">
+              <a14:hiddenFill xmlns:a14="http://schemas.microsoft.com/office/drawing/2010/main">
+                <a:solidFill>
+                  <a:srgbClr val="FFFFFF"/>
+                </a:solidFill>
+              </a14:hiddenFill>
+            </a:ext>
+          </a:extLst>
+        </p:spPr>
+      </p:pic>
+    </p:spTree>
+    <p:extLst>
+      <p:ext uri="{BB962C8B-B14F-4D97-AF65-F5344CB8AC3E}">
+        <p14:creationId xmlns:p14="http://schemas.microsoft.com/office/powerpoint/2010/main" val="30249541"/>
+      </p:ext>
+    </p:extLst>
+  </p:cSld>
+  <p:clrMapOvr>
+    <a:masterClrMapping/>
+  </p:clrMapOvr>
+</p:sld>
+</file>
+
+<file path=ppt/slides/slide3.xml><?xml version="1.0" encoding="utf-8"?>
+<p:sld xmlns:a="http://schemas.openxmlformats.org/drawingml/2006/main" xmlns:r="http://schemas.openxmlformats.org/officeDocument/2006/relationships" xmlns:p="http://schemas.openxmlformats.org/presentationml/2006/main">
+  <p:cSld>
+    <p:bg>
+      <p:bgPr>
+        <a:solidFill>
+          <a:schemeClr val="bg2"/>
+        </a:solidFill>
+        <a:effectLst/>
+      </p:bgPr>
+    </p:bg>
+    <p:spTree>
+      <p:nvGrpSpPr>
+        <p:cNvPr id="1" name=""/>
+        <p:cNvGrpSpPr/>
+        <p:nvPr/>
+      </p:nvGrpSpPr>
+      <p:grpSpPr>
+        <a:xfrm>
+          <a:off x="0" y="0"/>
+          <a:ext cx="0" cy="0"/>
+          <a:chOff x="0" y="0"/>
+          <a:chExt cx="0" cy="0"/>
+        </a:xfrm>
+      </p:grpSpPr>
+      <p:grpSp>
+        <p:nvGrpSpPr>
+          <p:cNvPr id="9" name="Group 8">
+            <a:extLst>
+              <a:ext uri="{FF2B5EF4-FFF2-40B4-BE49-F238E27FC236}">
+                <a16:creationId xmlns:a16="http://schemas.microsoft.com/office/drawing/2014/main" id="{449BC34D-9C23-4D6D-8213-1F471AF85B3F}"/>
+              </a:ext>
+              <a:ext uri="{C183D7F6-B498-43B3-948B-1728B52AA6E4}">
+                <adec:decorative xmlns:adec="http://schemas.microsoft.com/office/drawing/2017/decorative" val="1"/>
+              </a:ext>
+            </a:extLst>
+          </p:cNvPr>
+          <p:cNvGrpSpPr>
+            <a:grpSpLocks noGrp="1" noUngrp="1" noRot="1" noChangeAspect="1" noMove="1" noResize="1"/>
+          </p:cNvGrpSpPr>
+          <p:nvPr>
+            <p:extLst>
+              <p:ext uri="{386F3935-93C4-4BCD-93E2-E3B085C9AB24}">
+                <p16:designElem xmlns:p16="http://schemas.microsoft.com/office/powerpoint/2015/main" val="1"/>
+              </p:ext>
+            </p:extLst>
+          </p:nvPr>
+        </p:nvGrpSpPr>
+        <p:grpSpPr>
+          <a:xfrm>
+            <a:off x="752858" y="744469"/>
+            <a:ext cx="10674117" cy="5349671"/>
+            <a:chOff x="752858" y="744469"/>
+            <a:chExt cx="10674117" cy="5349671"/>
+          </a:xfrm>
+        </p:grpSpPr>
+        <p:sp>
+          <p:nvSpPr>
+            <p:cNvPr id="10" name="Freeform 6">
+              <a:extLst>
+                <a:ext uri="{FF2B5EF4-FFF2-40B4-BE49-F238E27FC236}">
+                  <a16:creationId xmlns:a16="http://schemas.microsoft.com/office/drawing/2014/main" id="{FA0F5D6C-5025-4D7E-82DD-C2C6FDA1E759}"/>
+                </a:ext>
+                <a:ext uri="{C183D7F6-B498-43B3-948B-1728B52AA6E4}">
+                  <adec:decorative xmlns:adec="http://schemas.microsoft.com/office/drawing/2017/decorative" val="1"/>
+                </a:ext>
+              </a:extLst>
+            </p:cNvPr>
+            <p:cNvSpPr/>
+            <p:nvPr>
+              <p:extLst>
+                <p:ext uri="{386F3935-93C4-4BCD-93E2-E3B085C9AB24}">
+                  <p16:designElem xmlns:p16="http://schemas.microsoft.com/office/powerpoint/2015/main" val="1"/>
+                </p:ext>
+              </p:extLst>
+            </p:nvPr>
+          </p:nvSpPr>
+          <p:spPr bwMode="auto">
+            <a:xfrm>
+              <a:off x="8151962" y="1685652"/>
+              <a:ext cx="3275013" cy="4408488"/>
+            </a:xfrm>
+            <a:custGeom>
+              <a:avLst/>
+              <a:gdLst/>
+              <a:ahLst/>
+              <a:cxnLst/>
+              <a:rect l="l" t="t" r="r" b="b"/>
+              <a:pathLst>
+                <a:path w="10000" h="10000">
+                  <a:moveTo>
+                    <a:pt x="8761" y="0"/>
+                  </a:moveTo>
+                  <a:lnTo>
+                    <a:pt x="10000" y="0"/>
+                  </a:lnTo>
+                  <a:lnTo>
+                    <a:pt x="10000" y="10000"/>
+                  </a:lnTo>
+                  <a:lnTo>
+                    <a:pt x="0" y="10000"/>
+                  </a:lnTo>
+                  <a:lnTo>
+                    <a:pt x="0" y="9126"/>
+                  </a:lnTo>
+                  <a:lnTo>
+                    <a:pt x="8761" y="9127"/>
+                  </a:lnTo>
+                  <a:lnTo>
+                    <a:pt x="8761" y="0"/>
+                  </a:lnTo>
+                  <a:close/>
+                </a:path>
+              </a:pathLst>
+            </a:custGeom>
+            <a:solidFill>
+              <a:schemeClr val="tx2"/>
+            </a:solidFill>
+            <a:ln w="0">
+              <a:noFill/>
+              <a:prstDash val="solid"/>
+              <a:round/>
+              <a:headEnd/>
+              <a:tailEnd/>
+            </a:ln>
+          </p:spPr>
+        </p:sp>
+        <p:sp>
+          <p:nvSpPr>
+            <p:cNvPr id="11" name="Freeform 6">
+              <a:extLst>
+                <a:ext uri="{FF2B5EF4-FFF2-40B4-BE49-F238E27FC236}">
+                  <a16:creationId xmlns:a16="http://schemas.microsoft.com/office/drawing/2014/main" id="{E2AF2C17-4AB4-4402-B84B-129EF95D161C}"/>
+                </a:ext>
+                <a:ext uri="{C183D7F6-B498-43B3-948B-1728B52AA6E4}">
+                  <adec:decorative xmlns:adec="http://schemas.microsoft.com/office/drawing/2017/decorative" val="1"/>
+                </a:ext>
+              </a:extLst>
+            </p:cNvPr>
+            <p:cNvSpPr/>
+            <p:nvPr>
+              <p:extLst>
+                <p:ext uri="{386F3935-93C4-4BCD-93E2-E3B085C9AB24}">
+                  <p16:designElem xmlns:p16="http://schemas.microsoft.com/office/powerpoint/2015/main" val="1"/>
+                </p:ext>
+              </p:extLst>
+            </p:nvPr>
+          </p:nvSpPr>
+          <p:spPr bwMode="auto">
+            <a:xfrm flipH="1" flipV="1">
+              <a:off x="752858" y="744469"/>
+              <a:ext cx="3275668" cy="4408488"/>
+            </a:xfrm>
+            <a:custGeom>
+              <a:avLst/>
+              <a:gdLst/>
+              <a:ahLst/>
+              <a:cxnLst/>
+              <a:rect l="l" t="t" r="r" b="b"/>
+              <a:pathLst>
+                <a:path w="10002" h="10000">
+                  <a:moveTo>
+                    <a:pt x="8763" y="0"/>
+                  </a:moveTo>
+                  <a:lnTo>
+                    <a:pt x="10002" y="0"/>
+                  </a:lnTo>
+                  <a:lnTo>
+                    <a:pt x="10002" y="10000"/>
+                  </a:lnTo>
+                  <a:lnTo>
+                    <a:pt x="2" y="10000"/>
+                  </a:lnTo>
+                  <a:cubicBezTo>
+                    <a:pt x="-2" y="9698"/>
+                    <a:pt x="4" y="9427"/>
+                    <a:pt x="0" y="9125"/>
+                  </a:cubicBezTo>
+                  <a:lnTo>
+                    <a:pt x="8763" y="9128"/>
+                  </a:lnTo>
+                  <a:lnTo>
+                    <a:pt x="8763" y="0"/>
+                  </a:lnTo>
+                  <a:close/>
+                </a:path>
+              </a:pathLst>
+            </a:custGeom>
+            <a:solidFill>
+              <a:schemeClr val="tx2"/>
+            </a:solidFill>
+            <a:ln w="0">
+              <a:noFill/>
+              <a:prstDash val="solid"/>
+              <a:round/>
+              <a:headEnd/>
+              <a:tailEnd/>
+            </a:ln>
+          </p:spPr>
+        </p:sp>
+      </p:grpSp>
+      <p:sp useBgFill="1">
+        <p:nvSpPr>
+          <p:cNvPr id="13" name="Rectangle 12">
+            <a:extLst>
+              <a:ext uri="{FF2B5EF4-FFF2-40B4-BE49-F238E27FC236}">
+                <a16:creationId xmlns:a16="http://schemas.microsoft.com/office/drawing/2014/main" id="{CB73C468-D875-4A8E-A540-E43BF8232DD4}"/>
+              </a:ext>
+              <a:ext uri="{C183D7F6-B498-43B3-948B-1728B52AA6E4}">
+                <adec:decorative xmlns:adec="http://schemas.microsoft.com/office/drawing/2017/decorative" val="1"/>
+              </a:ext>
+            </a:extLst>
+          </p:cNvPr>
+          <p:cNvSpPr>
+            <a:spLocks noGrp="1" noRot="1" noChangeAspect="1" noMove="1" noResize="1" noEditPoints="1" noAdjustHandles="1" noChangeArrowheads="1" noChangeShapeType="1" noTextEdit="1"/>
+          </p:cNvSpPr>
+          <p:nvPr>
+            <p:extLst>
+              <p:ext uri="{386F3935-93C4-4BCD-93E2-E3B085C9AB24}">
+                <p16:designElem xmlns:p16="http://schemas.microsoft.com/office/powerpoint/2015/main" val="1"/>
+              </p:ext>
+            </p:extLst>
+          </p:nvPr>
+        </p:nvSpPr>
+        <p:spPr>
+          <a:xfrm>
+            <a:off x="0" y="0"/>
+            <a:ext cx="12192000" cy="6858000"/>
+          </a:xfrm>
+          <a:prstGeom prst="rect">
+            <a:avLst/>
+          </a:prstGeom>
+          <a:ln>
+            <a:noFill/>
+          </a:ln>
+        </p:spPr>
+        <p:style>
+          <a:lnRef idx="2">
+            <a:schemeClr val="accent1">
+              <a:shade val="50000"/>
+            </a:schemeClr>
+          </a:lnRef>
+          <a:fillRef idx="1001">
+            <a:schemeClr val="lt2"/>
+          </a:fillRef>
+          <a:effectRef idx="0">
+            <a:schemeClr val="accent1"/>
+          </a:effectRef>
+          <a:fontRef idx="minor">
+            <a:schemeClr val="lt1"/>
+          </a:fontRef>
+        </p:style>
+        <p:txBody>
+          <a:bodyPr rtlCol="0" anchor="ctr"/>
+          <a:lstStyle/>
+          <a:p>
+            <a:pPr algn="ctr"/>
+            <a:endParaRPr lang="en-US"/>
+          </a:p>
+        </p:txBody>
+      </p:sp>
+      <p:sp>
+        <p:nvSpPr>
+          <p:cNvPr id="2" name="Title 1">
+            <a:extLst>
+              <a:ext uri="{FF2B5EF4-FFF2-40B4-BE49-F238E27FC236}">
+                <a16:creationId xmlns:a16="http://schemas.microsoft.com/office/drawing/2014/main" id="{4D3D8F6E-33A3-47FB-9768-802534479B26}"/>
+              </a:ext>
+            </a:extLst>
+          </p:cNvPr>
+          <p:cNvSpPr>
+            <a:spLocks noGrp="1"/>
+          </p:cNvSpPr>
+          <p:nvPr>
+            <p:ph type="title"/>
+          </p:nvPr>
+        </p:nvSpPr>
+        <p:spPr>
+          <a:xfrm>
+            <a:off x="6711885" y="634028"/>
+            <a:ext cx="4798243" cy="3732835"/>
+          </a:xfrm>
+        </p:spPr>
+        <p:txBody>
+          <a:bodyPr vert="horz" lIns="91440" tIns="45720" rIns="91440" bIns="45720" rtlCol="0" anchor="b">
+            <a:normAutofit/>
+          </a:bodyPr>
+          <a:lstStyle/>
+          <a:p>
+            <a:pPr algn="ctr"/>
+            <a:r>
+              <a:rPr lang="en-US" sz="7200" cap="all"/>
+              <a:t>What is GraphQL?</a:t>
+            </a:r>
+          </a:p>
+        </p:txBody>
+      </p:sp>
+      <p:sp>
+        <p:nvSpPr>
+          <p:cNvPr id="15" name="Freeform 6">
+            <a:extLst>
+              <a:ext uri="{FF2B5EF4-FFF2-40B4-BE49-F238E27FC236}">
+                <a16:creationId xmlns:a16="http://schemas.microsoft.com/office/drawing/2014/main" id="{B4734F2F-19FC-4D35-9BDE-5CEAD57D9B55}"/>
+              </a:ext>
+              <a:ext uri="{C183D7F6-B498-43B3-948B-1728B52AA6E4}">
+                <adec:decorative xmlns:adec="http://schemas.microsoft.com/office/drawing/2017/decorative" val="1"/>
+              </a:ext>
+            </a:extLst>
+          </p:cNvPr>
+          <p:cNvSpPr>
+            <a:spLocks noGrp="1" noRot="1" noChangeAspect="1" noMove="1" noResize="1" noEditPoints="1" noAdjustHandles="1" noChangeArrowheads="1" noChangeShapeType="1" noTextEdit="1"/>
+          </p:cNvSpPr>
+          <p:nvPr>
+            <p:extLst>
+              <p:ext uri="{386F3935-93C4-4BCD-93E2-E3B085C9AB24}">
+                <p16:designElem xmlns:p16="http://schemas.microsoft.com/office/powerpoint/2015/main" val="1"/>
+              </p:ext>
+            </p:extLst>
+          </p:nvPr>
+        </p:nvSpPr>
+        <p:spPr bwMode="auto">
+          <a:xfrm>
+            <a:off x="3027878" y="2016617"/>
+            <a:ext cx="3275013" cy="4408488"/>
+          </a:xfrm>
+          <a:custGeom>
+            <a:avLst/>
+            <a:gdLst/>
+            <a:ahLst/>
+            <a:cxnLst/>
+            <a:rect l="l" t="t" r="r" b="b"/>
+            <a:pathLst>
+              <a:path w="10000" h="10000">
+                <a:moveTo>
+                  <a:pt x="8761" y="0"/>
+                </a:moveTo>
+                <a:lnTo>
+                  <a:pt x="10000" y="0"/>
+                </a:lnTo>
+                <a:lnTo>
+                  <a:pt x="10000" y="10000"/>
+                </a:lnTo>
+                <a:lnTo>
+                  <a:pt x="0" y="10000"/>
+                </a:lnTo>
+                <a:lnTo>
+                  <a:pt x="0" y="9126"/>
+                </a:lnTo>
+                <a:lnTo>
+                  <a:pt x="8761" y="9127"/>
+                </a:lnTo>
+                <a:lnTo>
+                  <a:pt x="8761" y="0"/>
+                </a:lnTo>
+                <a:close/>
+              </a:path>
+            </a:pathLst>
+          </a:custGeom>
+          <a:solidFill>
+            <a:schemeClr val="tx2"/>
+          </a:solidFill>
+          <a:ln w="0">
+            <a:noFill/>
+            <a:prstDash val="solid"/>
+            <a:round/>
+            <a:headEnd/>
+            <a:tailEnd/>
+          </a:ln>
+        </p:spPr>
+      </p:sp>
+      <p:sp>
+        <p:nvSpPr>
+          <p:cNvPr id="17" name="Freeform 6">
+            <a:extLst>
+              <a:ext uri="{FF2B5EF4-FFF2-40B4-BE49-F238E27FC236}">
+                <a16:creationId xmlns:a16="http://schemas.microsoft.com/office/drawing/2014/main" id="{D97A8A26-FD96-4968-A34A-727382AC7E46}"/>
+              </a:ext>
+              <a:ext uri="{C183D7F6-B498-43B3-948B-1728B52AA6E4}">
+                <adec:decorative xmlns:adec="http://schemas.microsoft.com/office/drawing/2017/decorative" val="1"/>
+              </a:ext>
+            </a:extLst>
+          </p:cNvPr>
+          <p:cNvSpPr>
+            <a:spLocks noGrp="1" noRot="1" noChangeAspect="1" noMove="1" noResize="1" noEditPoints="1" noAdjustHandles="1" noChangeArrowheads="1" noChangeShapeType="1" noTextEdit="1"/>
+          </p:cNvSpPr>
+          <p:nvPr>
+            <p:extLst>
+              <p:ext uri="{386F3935-93C4-4BCD-93E2-E3B085C9AB24}">
+                <p16:designElem xmlns:p16="http://schemas.microsoft.com/office/powerpoint/2015/main" val="1"/>
+              </p:ext>
+            </p:extLst>
+          </p:nvPr>
+        </p:nvSpPr>
+        <p:spPr bwMode="auto">
+          <a:xfrm flipH="1" flipV="1">
+            <a:off x="649163" y="634028"/>
+            <a:ext cx="3275668" cy="4408488"/>
+          </a:xfrm>
+          <a:custGeom>
+            <a:avLst/>
+            <a:gdLst/>
+            <a:ahLst/>
+            <a:cxnLst/>
+            <a:rect l="l" t="t" r="r" b="b"/>
+            <a:pathLst>
+              <a:path w="10002" h="10000">
+                <a:moveTo>
+                  <a:pt x="8763" y="0"/>
+                </a:moveTo>
+                <a:lnTo>
+                  <a:pt x="10002" y="0"/>
+                </a:lnTo>
+                <a:lnTo>
+                  <a:pt x="10002" y="10000"/>
+                </a:lnTo>
+                <a:lnTo>
+                  <a:pt x="2" y="10000"/>
+                </a:lnTo>
+                <a:cubicBezTo>
+                  <a:pt x="-2" y="9698"/>
+                  <a:pt x="4" y="9427"/>
+                  <a:pt x="0" y="9125"/>
+                </a:cubicBezTo>
+                <a:lnTo>
+                  <a:pt x="8763" y="9128"/>
+                </a:lnTo>
+                <a:lnTo>
+                  <a:pt x="8763" y="0"/>
+                </a:lnTo>
+                <a:close/>
+              </a:path>
+            </a:pathLst>
+          </a:custGeom>
+          <a:solidFill>
+            <a:schemeClr val="tx2"/>
+          </a:solidFill>
+          <a:ln w="0">
+            <a:noFill/>
+            <a:prstDash val="solid"/>
+            <a:round/>
+            <a:headEnd/>
+            <a:tailEnd/>
+          </a:ln>
+        </p:spPr>
+      </p:sp>
+      <p:pic>
+        <p:nvPicPr>
+          <p:cNvPr id="4" name="Picture 6" descr="Kuvahaun tulos haulle graphql">
+            <a:extLst>
+              <a:ext uri="{FF2B5EF4-FFF2-40B4-BE49-F238E27FC236}">
+                <a16:creationId xmlns:a16="http://schemas.microsoft.com/office/drawing/2014/main" id="{1BE2F3EF-7014-4922-B768-31C747AD4B46}"/>
+              </a:ext>
+            </a:extLst>
+          </p:cNvPr>
+          <p:cNvPicPr>
+            <a:picLocks noGrp="1" noChangeAspect="1" noChangeArrowheads="1"/>
+          </p:cNvPicPr>
+          <p:nvPr>
+            <p:ph idx="1"/>
+          </p:nvPr>
+        </p:nvPicPr>
+        <p:blipFill>
+          <a:blip r:embed="rId2">
+            <a:extLst>
+              <a:ext uri="{28A0092B-C50C-407E-A947-70E740481C1C}">
+                <a14:useLocalDpi xmlns:a14="http://schemas.microsoft.com/office/drawing/2010/main" val="0"/>
+              </a:ext>
+            </a:extLst>
+          </a:blip>
+          <a:stretch>
+            <a:fillRect/>
+          </a:stretch>
+        </p:blipFill>
+        <p:spPr bwMode="auto">
+          <a:xfrm>
+            <a:off x="1371403" y="1425173"/>
+            <a:ext cx="4207669" cy="4207669"/>
+          </a:xfrm>
+          <a:prstGeom prst="rect">
+            <a:avLst/>
+          </a:prstGeom>
+          <a:noFill/>
+          <a:extLst>
+            <a:ext uri="{909E8E84-426E-40DD-AFC4-6F175D3DCCD1}">
+              <a14:hiddenFill xmlns:a14="http://schemas.microsoft.com/office/drawing/2010/main">
+                <a:solidFill>
+                  <a:srgbClr val="FFFFFF"/>
+                </a:solidFill>
+              </a14:hiddenFill>
+            </a:ext>
+          </a:extLst>
+        </p:spPr>
+      </p:pic>
+    </p:spTree>
+    <p:extLst>
+      <p:ext uri="{BB962C8B-B14F-4D97-AF65-F5344CB8AC3E}">
         <p14:creationId xmlns:p14="http://schemas.microsoft.com/office/powerpoint/2010/main" val="829130715"/>
       </p:ext>
     </p:extLst>
   </p:cSld>
   <p:clrMapOvr>
     <a:masterClrMapping/>
+  </p:clrMapOvr>
+</p:sld>
+</file>
+
+<file path=ppt/slides/slide30.xml><?xml version="1.0" encoding="utf-8"?>
+<p:sld xmlns:a="http://schemas.openxmlformats.org/drawingml/2006/main" xmlns:r="http://schemas.openxmlformats.org/officeDocument/2006/relationships" xmlns:p="http://schemas.openxmlformats.org/presentationml/2006/main">
+  <p:cSld>
+    <p:bg>
+      <p:bgPr>
+        <a:solidFill>
+          <a:schemeClr val="bg2"/>
+        </a:solidFill>
+        <a:effectLst/>
+      </p:bgPr>
+    </p:bg>
+    <p:spTree>
+      <p:nvGrpSpPr>
+        <p:cNvPr id="1" name=""/>
+        <p:cNvGrpSpPr/>
+        <p:nvPr/>
+      </p:nvGrpSpPr>
+      <p:grpSpPr>
+        <a:xfrm>
+          <a:off x="0" y="0"/>
+          <a:ext cx="0" cy="0"/>
+          <a:chOff x="0" y="0"/>
+          <a:chExt cx="0" cy="0"/>
+        </a:xfrm>
+      </p:grpSpPr>
+      <p:sp useBgFill="1">
+        <p:nvSpPr>
+          <p:cNvPr id="8" name="Rectangle 7">
+            <a:extLst>
+              <a:ext uri="{FF2B5EF4-FFF2-40B4-BE49-F238E27FC236}">
+                <a16:creationId xmlns:a16="http://schemas.microsoft.com/office/drawing/2014/main" id="{C3638F2F-4688-4030-B1CC-802724443B77}"/>
+              </a:ext>
+              <a:ext uri="{C183D7F6-B498-43B3-948B-1728B52AA6E4}">
+                <adec:decorative xmlns:adec="http://schemas.microsoft.com/office/drawing/2017/decorative" val="1"/>
+              </a:ext>
+            </a:extLst>
+          </p:cNvPr>
+          <p:cNvSpPr>
+            <a:spLocks noGrp="1" noRot="1" noChangeAspect="1" noMove="1" noResize="1" noEditPoints="1" noAdjustHandles="1" noChangeArrowheads="1" noChangeShapeType="1" noTextEdit="1"/>
+          </p:cNvSpPr>
+          <p:nvPr>
+            <p:extLst>
+              <p:ext uri="{386F3935-93C4-4BCD-93E2-E3B085C9AB24}">
+                <p16:designElem xmlns:p16="http://schemas.microsoft.com/office/powerpoint/2015/main" val="1"/>
+              </p:ext>
+            </p:extLst>
+          </p:nvPr>
+        </p:nvSpPr>
+        <p:spPr>
+          <a:xfrm>
+            <a:off x="0" y="0"/>
+            <a:ext cx="12192000" cy="6858000"/>
+          </a:xfrm>
+          <a:prstGeom prst="rect">
+            <a:avLst/>
+          </a:prstGeom>
+          <a:ln>
+            <a:noFill/>
+          </a:ln>
+        </p:spPr>
+        <p:style>
+          <a:lnRef idx="2">
+            <a:schemeClr val="accent1">
+              <a:shade val="50000"/>
+            </a:schemeClr>
+          </a:lnRef>
+          <a:fillRef idx="1001">
+            <a:schemeClr val="lt2"/>
+          </a:fillRef>
+          <a:effectRef idx="0">
+            <a:schemeClr val="accent1"/>
+          </a:effectRef>
+          <a:fontRef idx="minor">
+            <a:schemeClr val="lt1"/>
+          </a:fontRef>
+        </p:style>
+        <p:txBody>
+          <a:bodyPr rtlCol="0" anchor="ctr"/>
+          <a:lstStyle/>
+          <a:p>
+            <a:pPr algn="ctr"/>
+            <a:endParaRPr lang="en-US"/>
+          </a:p>
+        </p:txBody>
+      </p:sp>
+      <p:sp>
+        <p:nvSpPr>
+          <p:cNvPr id="10" name="Freeform 6">
+            <a:extLst>
+              <a:ext uri="{FF2B5EF4-FFF2-40B4-BE49-F238E27FC236}">
+                <a16:creationId xmlns:a16="http://schemas.microsoft.com/office/drawing/2014/main" id="{48C811F0-0ED8-4A7B-BFDE-6433C690ED4F}"/>
+              </a:ext>
+              <a:ext uri="{C183D7F6-B498-43B3-948B-1728B52AA6E4}">
+                <adec:decorative xmlns:adec="http://schemas.microsoft.com/office/drawing/2017/decorative" val="1"/>
+              </a:ext>
+            </a:extLst>
+          </p:cNvPr>
+          <p:cNvSpPr>
+            <a:spLocks noGrp="1" noRot="1" noChangeAspect="1" noMove="1" noResize="1" noEditPoints="1" noAdjustHandles="1" noChangeArrowheads="1" noChangeShapeType="1" noTextEdit="1"/>
+          </p:cNvSpPr>
+          <p:nvPr>
+            <p:extLst>
+              <p:ext uri="{386F3935-93C4-4BCD-93E2-E3B085C9AB24}">
+                <p16:designElem xmlns:p16="http://schemas.microsoft.com/office/powerpoint/2015/main" val="1"/>
+              </p:ext>
+            </p:extLst>
+          </p:nvPr>
+        </p:nvSpPr>
+        <p:spPr bwMode="auto">
+          <a:xfrm rot="5400000" flipH="1">
+            <a:off x="973751" y="303896"/>
+            <a:ext cx="1910102" cy="2570671"/>
+          </a:xfrm>
+          <a:custGeom>
+            <a:avLst/>
+            <a:gdLst/>
+            <a:ahLst/>
+            <a:cxnLst/>
+            <a:rect l="l" t="t" r="r" b="b"/>
+            <a:pathLst>
+              <a:path w="10002" h="10000">
+                <a:moveTo>
+                  <a:pt x="8763" y="0"/>
+                </a:moveTo>
+                <a:lnTo>
+                  <a:pt x="10002" y="0"/>
+                </a:lnTo>
+                <a:lnTo>
+                  <a:pt x="10002" y="10000"/>
+                </a:lnTo>
+                <a:lnTo>
+                  <a:pt x="2" y="10000"/>
+                </a:lnTo>
+                <a:cubicBezTo>
+                  <a:pt x="-2" y="9698"/>
+                  <a:pt x="4" y="9427"/>
+                  <a:pt x="0" y="9125"/>
+                </a:cubicBezTo>
+                <a:lnTo>
+                  <a:pt x="8763" y="9128"/>
+                </a:lnTo>
+                <a:lnTo>
+                  <a:pt x="8763" y="0"/>
+                </a:lnTo>
+                <a:close/>
+              </a:path>
+            </a:pathLst>
+          </a:custGeom>
+          <a:solidFill>
+            <a:schemeClr val="tx2"/>
+          </a:solidFill>
+          <a:ln w="0">
+            <a:noFill/>
+            <a:prstDash val="solid"/>
+            <a:round/>
+            <a:headEnd/>
+            <a:tailEnd/>
+          </a:ln>
+        </p:spPr>
+      </p:sp>
+      <p:sp>
+        <p:nvSpPr>
+          <p:cNvPr id="2" name="Title 1">
+            <a:extLst>
+              <a:ext uri="{FF2B5EF4-FFF2-40B4-BE49-F238E27FC236}">
+                <a16:creationId xmlns:a16="http://schemas.microsoft.com/office/drawing/2014/main" id="{EE3DE26F-F6A0-400C-B2DF-D7D6280724EA}"/>
+              </a:ext>
+            </a:extLst>
+          </p:cNvPr>
+          <p:cNvSpPr>
+            <a:spLocks noGrp="1"/>
+          </p:cNvSpPr>
+          <p:nvPr>
+            <p:ph type="title"/>
+          </p:nvPr>
+        </p:nvSpPr>
+        <p:spPr>
+          <a:xfrm>
+            <a:off x="1253764" y="1327355"/>
+            <a:ext cx="3559425" cy="4482564"/>
+          </a:xfrm>
+        </p:spPr>
+        <p:txBody>
+          <a:bodyPr>
+            <a:normAutofit/>
+          </a:bodyPr>
+          <a:lstStyle/>
+          <a:p>
+            <a:r>
+              <a:rPr lang="en-US" dirty="0" err="1"/>
+              <a:t>GraphQL</a:t>
+            </a:r>
+            <a:r>
+              <a:rPr lang="en-US" dirty="0"/>
+              <a:t> &amp; React</a:t>
+            </a:r>
+            <a:endParaRPr lang="en-FI" dirty="0"/>
+          </a:p>
+        </p:txBody>
+      </p:sp>
+      <p:sp>
+        <p:nvSpPr>
+          <p:cNvPr id="12" name="Rectangle 11">
+            <a:extLst>
+              <a:ext uri="{FF2B5EF4-FFF2-40B4-BE49-F238E27FC236}">
+                <a16:creationId xmlns:a16="http://schemas.microsoft.com/office/drawing/2014/main" id="{AAC19CEE-435E-4643-849E-5194A57437C0}"/>
+              </a:ext>
+              <a:ext uri="{C183D7F6-B498-43B3-948B-1728B52AA6E4}">
+                <adec:decorative xmlns:adec="http://schemas.microsoft.com/office/drawing/2017/decorative" val="1"/>
+              </a:ext>
+            </a:extLst>
+          </p:cNvPr>
+          <p:cNvSpPr>
+            <a:spLocks noGrp="1" noRot="1" noChangeAspect="1" noMove="1" noResize="1" noEditPoints="1" noAdjustHandles="1" noChangeArrowheads="1" noChangeShapeType="1" noTextEdit="1"/>
+          </p:cNvSpPr>
+          <p:nvPr>
+            <p:extLst>
+              <p:ext uri="{386F3935-93C4-4BCD-93E2-E3B085C9AB24}">
+                <p16:designElem xmlns:p16="http://schemas.microsoft.com/office/powerpoint/2015/main" val="1"/>
+              </p:ext>
+            </p:extLst>
+          </p:nvPr>
+        </p:nvSpPr>
+        <p:spPr>
+          <a:xfrm>
+            <a:off x="2" y="6453386"/>
+            <a:ext cx="12191998" cy="404614"/>
+          </a:xfrm>
+          <a:prstGeom prst="rect">
+            <a:avLst/>
+          </a:prstGeom>
+          <a:solidFill>
+            <a:schemeClr val="accent1"/>
+          </a:solidFill>
+          <a:ln>
+            <a:noFill/>
+          </a:ln>
+        </p:spPr>
+        <p:style>
+          <a:lnRef idx="2">
+            <a:schemeClr val="accent1">
+              <a:shade val="50000"/>
+            </a:schemeClr>
+          </a:lnRef>
+          <a:fillRef idx="1">
+            <a:schemeClr val="accent1"/>
+          </a:fillRef>
+          <a:effectRef idx="0">
+            <a:schemeClr val="accent1"/>
+          </a:effectRef>
+          <a:fontRef idx="minor">
+            <a:schemeClr val="lt1"/>
+          </a:fontRef>
+        </p:style>
+        <p:txBody>
+          <a:bodyPr/>
+          <a:lstStyle/>
+          <a:p>
+            <a:endParaRPr lang="en-US" dirty="0"/>
+          </a:p>
+        </p:txBody>
+      </p:sp>
+      <p:pic>
+        <p:nvPicPr>
+          <p:cNvPr id="11" name="Picture 6" descr="Kuvahaun tulos haulle graphql">
+            <a:extLst>
+              <a:ext uri="{FF2B5EF4-FFF2-40B4-BE49-F238E27FC236}">
+                <a16:creationId xmlns:a16="http://schemas.microsoft.com/office/drawing/2014/main" id="{080AFA19-69BF-4E5E-8669-8C5A7B2DA742}"/>
+              </a:ext>
+            </a:extLst>
+          </p:cNvPr>
+          <p:cNvPicPr>
+            <a:picLocks noChangeAspect="1" noChangeArrowheads="1"/>
+          </p:cNvPicPr>
+          <p:nvPr/>
+        </p:nvPicPr>
+        <p:blipFill>
+          <a:blip r:embed="rId2">
+            <a:extLst>
+              <a:ext uri="{28A0092B-C50C-407E-A947-70E740481C1C}">
+                <a14:useLocalDpi xmlns:a14="http://schemas.microsoft.com/office/drawing/2010/main" val="0"/>
+              </a:ext>
+            </a:extLst>
+          </a:blip>
+          <a:srcRect/>
+          <a:stretch>
+            <a:fillRect/>
+          </a:stretch>
+        </p:blipFill>
+        <p:spPr bwMode="auto">
+          <a:xfrm>
+            <a:off x="10972800" y="685800"/>
+            <a:ext cx="951722" cy="951722"/>
+          </a:xfrm>
+          <a:prstGeom prst="rect">
+            <a:avLst/>
+          </a:prstGeom>
+          <a:noFill/>
+          <a:extLst>
+            <a:ext uri="{909E8E84-426E-40DD-AFC4-6F175D3DCCD1}">
+              <a14:hiddenFill xmlns:a14="http://schemas.microsoft.com/office/drawing/2010/main">
+                <a:solidFill>
+                  <a:srgbClr val="FFFFFF"/>
+                </a:solidFill>
+              </a14:hiddenFill>
+            </a:ext>
+          </a:extLst>
+        </p:spPr>
+      </p:pic>
+      <p:pic>
+        <p:nvPicPr>
+          <p:cNvPr id="3" name="Picture 2">
+            <a:extLst>
+              <a:ext uri="{FF2B5EF4-FFF2-40B4-BE49-F238E27FC236}">
+                <a16:creationId xmlns:a16="http://schemas.microsoft.com/office/drawing/2014/main" id="{CDCF3B40-CE1C-4B2E-8A76-574C8883F535}"/>
+              </a:ext>
+            </a:extLst>
+          </p:cNvPr>
+          <p:cNvPicPr>
+            <a:picLocks noChangeAspect="1"/>
+          </p:cNvPicPr>
+          <p:nvPr/>
+        </p:nvPicPr>
+        <p:blipFill>
+          <a:blip r:embed="rId3"/>
+          <a:stretch>
+            <a:fillRect/>
+          </a:stretch>
+        </p:blipFill>
+        <p:spPr>
+          <a:xfrm>
+            <a:off x="4499208" y="634180"/>
+            <a:ext cx="3193583" cy="4213647"/>
+          </a:xfrm>
+          <a:prstGeom prst="rect">
+            <a:avLst/>
+          </a:prstGeom>
+        </p:spPr>
+      </p:pic>
+      <p:sp>
+        <p:nvSpPr>
+          <p:cNvPr id="7" name="TextBox 6">
+            <a:extLst>
+              <a:ext uri="{FF2B5EF4-FFF2-40B4-BE49-F238E27FC236}">
+                <a16:creationId xmlns:a16="http://schemas.microsoft.com/office/drawing/2014/main" id="{B292DECF-D431-457C-A748-E4B67FCBD55A}"/>
+              </a:ext>
+            </a:extLst>
+          </p:cNvPr>
+          <p:cNvSpPr txBox="1"/>
+          <p:nvPr/>
+        </p:nvSpPr>
+        <p:spPr>
+          <a:xfrm>
+            <a:off x="1253764" y="5271796"/>
+            <a:ext cx="9684472" cy="923330"/>
+          </a:xfrm>
+          <a:prstGeom prst="rect">
+            <a:avLst/>
+          </a:prstGeom>
+          <a:noFill/>
+        </p:spPr>
+        <p:txBody>
+          <a:bodyPr wrap="square" rtlCol="0">
+            <a:spAutoFit/>
+          </a:bodyPr>
+          <a:lstStyle/>
+          <a:p>
+            <a:r>
+              <a:rPr lang="en-US" dirty="0"/>
+              <a:t>It doesn’t take much to get started with React and </a:t>
+            </a:r>
+            <a:r>
+              <a:rPr lang="en-US" dirty="0" err="1"/>
+              <a:t>GraphQL</a:t>
+            </a:r>
+            <a:r>
+              <a:rPr lang="en-US" dirty="0"/>
+              <a:t>. All you need is to set up an Apollo Client within your App.js file and establish a connection to the </a:t>
+            </a:r>
+            <a:r>
+              <a:rPr lang="en-US" dirty="0" err="1"/>
+              <a:t>uri</a:t>
+            </a:r>
+            <a:r>
+              <a:rPr lang="en-US" dirty="0"/>
+              <a:t> your backend is hosted on, and you can get started with components.</a:t>
+            </a:r>
+            <a:endParaRPr lang="en-FI" dirty="0"/>
+          </a:p>
+        </p:txBody>
+      </p:sp>
+      <p:sp>
+        <p:nvSpPr>
+          <p:cNvPr id="9" name="TextBox 8">
+            <a:extLst>
+              <a:ext uri="{FF2B5EF4-FFF2-40B4-BE49-F238E27FC236}">
+                <a16:creationId xmlns:a16="http://schemas.microsoft.com/office/drawing/2014/main" id="{72C39632-F56C-434A-9ECB-AD2E857706EA}"/>
+              </a:ext>
+            </a:extLst>
+          </p:cNvPr>
+          <p:cNvSpPr txBox="1"/>
+          <p:nvPr/>
+        </p:nvSpPr>
+        <p:spPr>
+          <a:xfrm>
+            <a:off x="4426704" y="264848"/>
+            <a:ext cx="772969" cy="369332"/>
+          </a:xfrm>
+          <a:prstGeom prst="rect">
+            <a:avLst/>
+          </a:prstGeom>
+          <a:noFill/>
+        </p:spPr>
+        <p:txBody>
+          <a:bodyPr wrap="none" rtlCol="0">
+            <a:spAutoFit/>
+          </a:bodyPr>
+          <a:lstStyle/>
+          <a:p>
+            <a:r>
+              <a:rPr lang="en-US" dirty="0"/>
+              <a:t>App.js</a:t>
+            </a:r>
+            <a:endParaRPr lang="en-FI" dirty="0"/>
+          </a:p>
+        </p:txBody>
+      </p:sp>
+    </p:spTree>
+    <p:extLst>
+      <p:ext uri="{BB962C8B-B14F-4D97-AF65-F5344CB8AC3E}">
+        <p14:creationId xmlns:p14="http://schemas.microsoft.com/office/powerpoint/2010/main" val="2107457113"/>
+      </p:ext>
+    </p:extLst>
+  </p:cSld>
+  <p:clrMapOvr>
+    <a:overrideClrMapping bg1="dk1" tx1="lt1" bg2="dk2" tx2="lt2" accent1="accent1" accent2="accent2" accent3="accent3" accent4="accent4" accent5="accent5" accent6="accent6" hlink="hlink" folHlink="folHlink"/>
+  </p:clrMapOvr>
+</p:sld>
+</file>
+
+<file path=ppt/slides/slide31.xml><?xml version="1.0" encoding="utf-8"?>
+<p:sld xmlns:a="http://schemas.openxmlformats.org/drawingml/2006/main" xmlns:r="http://schemas.openxmlformats.org/officeDocument/2006/relationships" xmlns:p="http://schemas.openxmlformats.org/presentationml/2006/main">
+  <p:cSld>
+    <p:bg>
+      <p:bgPr>
+        <a:solidFill>
+          <a:schemeClr val="bg2"/>
+        </a:solidFill>
+        <a:effectLst/>
+      </p:bgPr>
+    </p:bg>
+    <p:spTree>
+      <p:nvGrpSpPr>
+        <p:cNvPr id="1" name=""/>
+        <p:cNvGrpSpPr/>
+        <p:nvPr/>
+      </p:nvGrpSpPr>
+      <p:grpSpPr>
+        <a:xfrm>
+          <a:off x="0" y="0"/>
+          <a:ext cx="0" cy="0"/>
+          <a:chOff x="0" y="0"/>
+          <a:chExt cx="0" cy="0"/>
+        </a:xfrm>
+      </p:grpSpPr>
+      <p:sp useBgFill="1">
+        <p:nvSpPr>
+          <p:cNvPr id="8" name="Rectangle 7">
+            <a:extLst>
+              <a:ext uri="{FF2B5EF4-FFF2-40B4-BE49-F238E27FC236}">
+                <a16:creationId xmlns:a16="http://schemas.microsoft.com/office/drawing/2014/main" id="{C3638F2F-4688-4030-B1CC-802724443B77}"/>
+              </a:ext>
+              <a:ext uri="{C183D7F6-B498-43B3-948B-1728B52AA6E4}">
+                <adec:decorative xmlns:adec="http://schemas.microsoft.com/office/drawing/2017/decorative" val="1"/>
+              </a:ext>
+            </a:extLst>
+          </p:cNvPr>
+          <p:cNvSpPr>
+            <a:spLocks noGrp="1" noRot="1" noChangeAspect="1" noMove="1" noResize="1" noEditPoints="1" noAdjustHandles="1" noChangeArrowheads="1" noChangeShapeType="1" noTextEdit="1"/>
+          </p:cNvSpPr>
+          <p:nvPr>
+            <p:extLst>
+              <p:ext uri="{386F3935-93C4-4BCD-93E2-E3B085C9AB24}">
+                <p16:designElem xmlns:p16="http://schemas.microsoft.com/office/powerpoint/2015/main" val="1"/>
+              </p:ext>
+            </p:extLst>
+          </p:nvPr>
+        </p:nvSpPr>
+        <p:spPr>
+          <a:xfrm>
+            <a:off x="0" y="0"/>
+            <a:ext cx="12192000" cy="6858000"/>
+          </a:xfrm>
+          <a:prstGeom prst="rect">
+            <a:avLst/>
+          </a:prstGeom>
+          <a:ln>
+            <a:noFill/>
+          </a:ln>
+        </p:spPr>
+        <p:style>
+          <a:lnRef idx="2">
+            <a:schemeClr val="accent1">
+              <a:shade val="50000"/>
+            </a:schemeClr>
+          </a:lnRef>
+          <a:fillRef idx="1001">
+            <a:schemeClr val="lt2"/>
+          </a:fillRef>
+          <a:effectRef idx="0">
+            <a:schemeClr val="accent1"/>
+          </a:effectRef>
+          <a:fontRef idx="minor">
+            <a:schemeClr val="lt1"/>
+          </a:fontRef>
+        </p:style>
+        <p:txBody>
+          <a:bodyPr rtlCol="0" anchor="ctr"/>
+          <a:lstStyle/>
+          <a:p>
+            <a:pPr algn="ctr"/>
+            <a:endParaRPr lang="en-US"/>
+          </a:p>
+        </p:txBody>
+      </p:sp>
+      <p:sp>
+        <p:nvSpPr>
+          <p:cNvPr id="10" name="Freeform 6">
+            <a:extLst>
+              <a:ext uri="{FF2B5EF4-FFF2-40B4-BE49-F238E27FC236}">
+                <a16:creationId xmlns:a16="http://schemas.microsoft.com/office/drawing/2014/main" id="{48C811F0-0ED8-4A7B-BFDE-6433C690ED4F}"/>
+              </a:ext>
+              <a:ext uri="{C183D7F6-B498-43B3-948B-1728B52AA6E4}">
+                <adec:decorative xmlns:adec="http://schemas.microsoft.com/office/drawing/2017/decorative" val="1"/>
+              </a:ext>
+            </a:extLst>
+          </p:cNvPr>
+          <p:cNvSpPr>
+            <a:spLocks noGrp="1" noRot="1" noChangeAspect="1" noMove="1" noResize="1" noEditPoints="1" noAdjustHandles="1" noChangeArrowheads="1" noChangeShapeType="1" noTextEdit="1"/>
+          </p:cNvSpPr>
+          <p:nvPr>
+            <p:extLst>
+              <p:ext uri="{386F3935-93C4-4BCD-93E2-E3B085C9AB24}">
+                <p16:designElem xmlns:p16="http://schemas.microsoft.com/office/powerpoint/2015/main" val="1"/>
+              </p:ext>
+            </p:extLst>
+          </p:nvPr>
+        </p:nvSpPr>
+        <p:spPr bwMode="auto">
+          <a:xfrm rot="5400000" flipH="1">
+            <a:off x="973751" y="303896"/>
+            <a:ext cx="1910102" cy="2570671"/>
+          </a:xfrm>
+          <a:custGeom>
+            <a:avLst/>
+            <a:gdLst/>
+            <a:ahLst/>
+            <a:cxnLst/>
+            <a:rect l="l" t="t" r="r" b="b"/>
+            <a:pathLst>
+              <a:path w="10002" h="10000">
+                <a:moveTo>
+                  <a:pt x="8763" y="0"/>
+                </a:moveTo>
+                <a:lnTo>
+                  <a:pt x="10002" y="0"/>
+                </a:lnTo>
+                <a:lnTo>
+                  <a:pt x="10002" y="10000"/>
+                </a:lnTo>
+                <a:lnTo>
+                  <a:pt x="2" y="10000"/>
+                </a:lnTo>
+                <a:cubicBezTo>
+                  <a:pt x="-2" y="9698"/>
+                  <a:pt x="4" y="9427"/>
+                  <a:pt x="0" y="9125"/>
+                </a:cubicBezTo>
+                <a:lnTo>
+                  <a:pt x="8763" y="9128"/>
+                </a:lnTo>
+                <a:lnTo>
+                  <a:pt x="8763" y="0"/>
+                </a:lnTo>
+                <a:close/>
+              </a:path>
+            </a:pathLst>
+          </a:custGeom>
+          <a:solidFill>
+            <a:schemeClr val="tx2"/>
+          </a:solidFill>
+          <a:ln w="0">
+            <a:noFill/>
+            <a:prstDash val="solid"/>
+            <a:round/>
+            <a:headEnd/>
+            <a:tailEnd/>
+          </a:ln>
+        </p:spPr>
+      </p:sp>
+      <p:sp>
+        <p:nvSpPr>
+          <p:cNvPr id="2" name="Title 1">
+            <a:extLst>
+              <a:ext uri="{FF2B5EF4-FFF2-40B4-BE49-F238E27FC236}">
+                <a16:creationId xmlns:a16="http://schemas.microsoft.com/office/drawing/2014/main" id="{EE3DE26F-F6A0-400C-B2DF-D7D6280724EA}"/>
+              </a:ext>
+            </a:extLst>
+          </p:cNvPr>
+          <p:cNvSpPr>
+            <a:spLocks noGrp="1"/>
+          </p:cNvSpPr>
+          <p:nvPr>
+            <p:ph type="title"/>
+          </p:nvPr>
+        </p:nvSpPr>
+        <p:spPr>
+          <a:xfrm>
+            <a:off x="1253764" y="1327355"/>
+            <a:ext cx="3559425" cy="4482564"/>
+          </a:xfrm>
+        </p:spPr>
+        <p:txBody>
+          <a:bodyPr>
+            <a:normAutofit/>
+          </a:bodyPr>
+          <a:lstStyle/>
+          <a:p>
+            <a:r>
+              <a:rPr lang="en-US" dirty="0" err="1"/>
+              <a:t>GraphQL</a:t>
+            </a:r>
+            <a:r>
+              <a:rPr lang="en-US" dirty="0"/>
+              <a:t> &amp; React</a:t>
+            </a:r>
+            <a:br>
+              <a:rPr lang="en-US" dirty="0"/>
+            </a:br>
+            <a:r>
+              <a:rPr lang="en-US" dirty="0"/>
+              <a:t>Components</a:t>
+            </a:r>
+            <a:endParaRPr lang="en-FI" dirty="0"/>
+          </a:p>
+        </p:txBody>
+      </p:sp>
+      <p:sp>
+        <p:nvSpPr>
+          <p:cNvPr id="12" name="Rectangle 11">
+            <a:extLst>
+              <a:ext uri="{FF2B5EF4-FFF2-40B4-BE49-F238E27FC236}">
+                <a16:creationId xmlns:a16="http://schemas.microsoft.com/office/drawing/2014/main" id="{AAC19CEE-435E-4643-849E-5194A57437C0}"/>
+              </a:ext>
+              <a:ext uri="{C183D7F6-B498-43B3-948B-1728B52AA6E4}">
+                <adec:decorative xmlns:adec="http://schemas.microsoft.com/office/drawing/2017/decorative" val="1"/>
+              </a:ext>
+            </a:extLst>
+          </p:cNvPr>
+          <p:cNvSpPr>
+            <a:spLocks noGrp="1" noRot="1" noChangeAspect="1" noMove="1" noResize="1" noEditPoints="1" noAdjustHandles="1" noChangeArrowheads="1" noChangeShapeType="1" noTextEdit="1"/>
+          </p:cNvSpPr>
+          <p:nvPr>
+            <p:extLst>
+              <p:ext uri="{386F3935-93C4-4BCD-93E2-E3B085C9AB24}">
+                <p16:designElem xmlns:p16="http://schemas.microsoft.com/office/powerpoint/2015/main" val="1"/>
+              </p:ext>
+            </p:extLst>
+          </p:nvPr>
+        </p:nvSpPr>
+        <p:spPr>
+          <a:xfrm>
+            <a:off x="2" y="6453386"/>
+            <a:ext cx="12191998" cy="404614"/>
+          </a:xfrm>
+          <a:prstGeom prst="rect">
+            <a:avLst/>
+          </a:prstGeom>
+          <a:solidFill>
+            <a:schemeClr val="accent1"/>
+          </a:solidFill>
+          <a:ln>
+            <a:noFill/>
+          </a:ln>
+        </p:spPr>
+        <p:style>
+          <a:lnRef idx="2">
+            <a:schemeClr val="accent1">
+              <a:shade val="50000"/>
+            </a:schemeClr>
+          </a:lnRef>
+          <a:fillRef idx="1">
+            <a:schemeClr val="accent1"/>
+          </a:fillRef>
+          <a:effectRef idx="0">
+            <a:schemeClr val="accent1"/>
+          </a:effectRef>
+          <a:fontRef idx="minor">
+            <a:schemeClr val="lt1"/>
+          </a:fontRef>
+        </p:style>
+        <p:txBody>
+          <a:bodyPr/>
+          <a:lstStyle/>
+          <a:p>
+            <a:endParaRPr lang="en-US" dirty="0"/>
+          </a:p>
+        </p:txBody>
+      </p:sp>
+      <p:pic>
+        <p:nvPicPr>
+          <p:cNvPr id="11" name="Picture 6" descr="Kuvahaun tulos haulle graphql">
+            <a:extLst>
+              <a:ext uri="{FF2B5EF4-FFF2-40B4-BE49-F238E27FC236}">
+                <a16:creationId xmlns:a16="http://schemas.microsoft.com/office/drawing/2014/main" id="{080AFA19-69BF-4E5E-8669-8C5A7B2DA742}"/>
+              </a:ext>
+            </a:extLst>
+          </p:cNvPr>
+          <p:cNvPicPr>
+            <a:picLocks noChangeAspect="1" noChangeArrowheads="1"/>
+          </p:cNvPicPr>
+          <p:nvPr/>
+        </p:nvPicPr>
+        <p:blipFill>
+          <a:blip r:embed="rId2">
+            <a:extLst>
+              <a:ext uri="{28A0092B-C50C-407E-A947-70E740481C1C}">
+                <a14:useLocalDpi xmlns:a14="http://schemas.microsoft.com/office/drawing/2010/main" val="0"/>
+              </a:ext>
+            </a:extLst>
+          </a:blip>
+          <a:srcRect/>
+          <a:stretch>
+            <a:fillRect/>
+          </a:stretch>
+        </p:blipFill>
+        <p:spPr bwMode="auto">
+          <a:xfrm>
+            <a:off x="10972800" y="685800"/>
+            <a:ext cx="951722" cy="951722"/>
+          </a:xfrm>
+          <a:prstGeom prst="rect">
+            <a:avLst/>
+          </a:prstGeom>
+          <a:noFill/>
+          <a:extLst>
+            <a:ext uri="{909E8E84-426E-40DD-AFC4-6F175D3DCCD1}">
+              <a14:hiddenFill xmlns:a14="http://schemas.microsoft.com/office/drawing/2010/main">
+                <a:solidFill>
+                  <a:srgbClr val="FFFFFF"/>
+                </a:solidFill>
+              </a14:hiddenFill>
+            </a:ext>
+          </a:extLst>
+        </p:spPr>
+      </p:pic>
+      <p:pic>
+        <p:nvPicPr>
+          <p:cNvPr id="4" name="Picture 3">
+            <a:extLst>
+              <a:ext uri="{FF2B5EF4-FFF2-40B4-BE49-F238E27FC236}">
+                <a16:creationId xmlns:a16="http://schemas.microsoft.com/office/drawing/2014/main" id="{54F83238-0633-4114-9EC5-C5B806C7FE52}"/>
+              </a:ext>
+            </a:extLst>
+          </p:cNvPr>
+          <p:cNvPicPr>
+            <a:picLocks noChangeAspect="1"/>
+          </p:cNvPicPr>
+          <p:nvPr/>
+        </p:nvPicPr>
+        <p:blipFill>
+          <a:blip r:embed="rId3"/>
+          <a:stretch>
+            <a:fillRect/>
+          </a:stretch>
+        </p:blipFill>
+        <p:spPr>
+          <a:xfrm>
+            <a:off x="5212764" y="1866391"/>
+            <a:ext cx="3524250" cy="2381250"/>
+          </a:xfrm>
+          <a:prstGeom prst="rect">
+            <a:avLst/>
+          </a:prstGeom>
+        </p:spPr>
+      </p:pic>
+      <p:sp>
+        <p:nvSpPr>
+          <p:cNvPr id="5" name="TextBox 4">
+            <a:extLst>
+              <a:ext uri="{FF2B5EF4-FFF2-40B4-BE49-F238E27FC236}">
+                <a16:creationId xmlns:a16="http://schemas.microsoft.com/office/drawing/2014/main" id="{8F49BCE3-F9E2-4DD8-BA5A-7793B9B681F3}"/>
+              </a:ext>
+            </a:extLst>
+          </p:cNvPr>
+          <p:cNvSpPr txBox="1"/>
+          <p:nvPr/>
+        </p:nvSpPr>
+        <p:spPr>
+          <a:xfrm>
+            <a:off x="1253764" y="4889241"/>
+            <a:ext cx="9684471" cy="923330"/>
+          </a:xfrm>
+          <a:prstGeom prst="rect">
+            <a:avLst/>
+          </a:prstGeom>
+          <a:noFill/>
+        </p:spPr>
+        <p:txBody>
+          <a:bodyPr wrap="square" rtlCol="0">
+            <a:spAutoFit/>
+          </a:bodyPr>
+          <a:lstStyle/>
+          <a:p>
+            <a:r>
+              <a:rPr lang="en-US" dirty="0"/>
+              <a:t>Since React does not understand </a:t>
+            </a:r>
+            <a:r>
+              <a:rPr lang="en-US" dirty="0" err="1"/>
+              <a:t>GraphQL</a:t>
+            </a:r>
+            <a:r>
+              <a:rPr lang="en-US" dirty="0"/>
+              <a:t> queries without the help of the Apollo library, you need to import the </a:t>
+            </a:r>
+            <a:r>
+              <a:rPr lang="en-US" dirty="0" err="1"/>
+              <a:t>gql</a:t>
+            </a:r>
+            <a:r>
+              <a:rPr lang="en-US" dirty="0"/>
+              <a:t> package. Using </a:t>
+            </a:r>
+            <a:r>
+              <a:rPr lang="en-US" dirty="0" err="1"/>
+              <a:t>gql</a:t>
+            </a:r>
+            <a:r>
+              <a:rPr lang="en-US" dirty="0"/>
+              <a:t> you can pass queries from your front end within the </a:t>
+            </a:r>
+            <a:r>
+              <a:rPr lang="en-US" dirty="0" err="1"/>
+              <a:t>gql</a:t>
+            </a:r>
+            <a:r>
+              <a:rPr lang="en-US" dirty="0"/>
+              <a:t>`` tags.</a:t>
+            </a:r>
+            <a:endParaRPr lang="en-FI" dirty="0"/>
+          </a:p>
+        </p:txBody>
+      </p:sp>
+      <p:sp>
+        <p:nvSpPr>
+          <p:cNvPr id="6" name="TextBox 5">
+            <a:extLst>
+              <a:ext uri="{FF2B5EF4-FFF2-40B4-BE49-F238E27FC236}">
+                <a16:creationId xmlns:a16="http://schemas.microsoft.com/office/drawing/2014/main" id="{829BF4B5-2FBE-431D-AF3A-44FA3BA8C7AA}"/>
+              </a:ext>
+            </a:extLst>
+          </p:cNvPr>
+          <p:cNvSpPr txBox="1"/>
+          <p:nvPr/>
+        </p:nvSpPr>
+        <p:spPr>
+          <a:xfrm>
+            <a:off x="5212764" y="1589231"/>
+            <a:ext cx="2340256" cy="369332"/>
+          </a:xfrm>
+          <a:prstGeom prst="rect">
+            <a:avLst/>
+          </a:prstGeom>
+          <a:noFill/>
+        </p:spPr>
+        <p:txBody>
+          <a:bodyPr wrap="none" rtlCol="0">
+            <a:spAutoFit/>
+          </a:bodyPr>
+          <a:lstStyle/>
+          <a:p>
+            <a:r>
+              <a:rPr lang="en-US" dirty="0"/>
+              <a:t>Components\Books.js</a:t>
+            </a:r>
+            <a:endParaRPr lang="en-FI" dirty="0"/>
+          </a:p>
+        </p:txBody>
+      </p:sp>
+    </p:spTree>
+    <p:extLst>
+      <p:ext uri="{BB962C8B-B14F-4D97-AF65-F5344CB8AC3E}">
+        <p14:creationId xmlns:p14="http://schemas.microsoft.com/office/powerpoint/2010/main" val="3280628010"/>
+      </p:ext>
+    </p:extLst>
+  </p:cSld>
+  <p:clrMapOvr>
+    <a:overrideClrMapping bg1="dk1" tx1="lt1" bg2="dk2" tx2="lt2" accent1="accent1" accent2="accent2" accent3="accent3" accent4="accent4" accent5="accent5" accent6="accent6" hlink="hlink" folHlink="folHlink"/>
+  </p:clrMapOvr>
+</p:sld>
+</file>
+
+<file path=ppt/slides/slide32.xml><?xml version="1.0" encoding="utf-8"?>
+<p:sld xmlns:a="http://schemas.openxmlformats.org/drawingml/2006/main" xmlns:r="http://schemas.openxmlformats.org/officeDocument/2006/relationships" xmlns:p="http://schemas.openxmlformats.org/presentationml/2006/main">
+  <p:cSld>
+    <p:bg>
+      <p:bgPr>
+        <a:solidFill>
+          <a:schemeClr val="bg2"/>
+        </a:solidFill>
+        <a:effectLst/>
+      </p:bgPr>
+    </p:bg>
+    <p:spTree>
+      <p:nvGrpSpPr>
+        <p:cNvPr id="1" name=""/>
+        <p:cNvGrpSpPr/>
+        <p:nvPr/>
+      </p:nvGrpSpPr>
+      <p:grpSpPr>
+        <a:xfrm>
+          <a:off x="0" y="0"/>
+          <a:ext cx="0" cy="0"/>
+          <a:chOff x="0" y="0"/>
+          <a:chExt cx="0" cy="0"/>
+        </a:xfrm>
+      </p:grpSpPr>
+      <p:sp useBgFill="1">
+        <p:nvSpPr>
+          <p:cNvPr id="8" name="Rectangle 7">
+            <a:extLst>
+              <a:ext uri="{FF2B5EF4-FFF2-40B4-BE49-F238E27FC236}">
+                <a16:creationId xmlns:a16="http://schemas.microsoft.com/office/drawing/2014/main" id="{C3638F2F-4688-4030-B1CC-802724443B77}"/>
+              </a:ext>
+              <a:ext uri="{C183D7F6-B498-43B3-948B-1728B52AA6E4}">
+                <adec:decorative xmlns:adec="http://schemas.microsoft.com/office/drawing/2017/decorative" val="1"/>
+              </a:ext>
+            </a:extLst>
+          </p:cNvPr>
+          <p:cNvSpPr>
+            <a:spLocks noGrp="1" noRot="1" noChangeAspect="1" noMove="1" noResize="1" noEditPoints="1" noAdjustHandles="1" noChangeArrowheads="1" noChangeShapeType="1" noTextEdit="1"/>
+          </p:cNvSpPr>
+          <p:nvPr>
+            <p:extLst>
+              <p:ext uri="{386F3935-93C4-4BCD-93E2-E3B085C9AB24}">
+                <p16:designElem xmlns:p16="http://schemas.microsoft.com/office/powerpoint/2015/main" val="1"/>
+              </p:ext>
+            </p:extLst>
+          </p:nvPr>
+        </p:nvSpPr>
+        <p:spPr>
+          <a:xfrm>
+            <a:off x="0" y="0"/>
+            <a:ext cx="12192000" cy="6858000"/>
+          </a:xfrm>
+          <a:prstGeom prst="rect">
+            <a:avLst/>
+          </a:prstGeom>
+          <a:ln>
+            <a:noFill/>
+          </a:ln>
+        </p:spPr>
+        <p:style>
+          <a:lnRef idx="2">
+            <a:schemeClr val="accent1">
+              <a:shade val="50000"/>
+            </a:schemeClr>
+          </a:lnRef>
+          <a:fillRef idx="1001">
+            <a:schemeClr val="lt2"/>
+          </a:fillRef>
+          <a:effectRef idx="0">
+            <a:schemeClr val="accent1"/>
+          </a:effectRef>
+          <a:fontRef idx="minor">
+            <a:schemeClr val="lt1"/>
+          </a:fontRef>
+        </p:style>
+        <p:txBody>
+          <a:bodyPr rtlCol="0" anchor="ctr"/>
+          <a:lstStyle/>
+          <a:p>
+            <a:pPr algn="ctr"/>
+            <a:endParaRPr lang="en-US"/>
+          </a:p>
+        </p:txBody>
+      </p:sp>
+      <p:sp>
+        <p:nvSpPr>
+          <p:cNvPr id="10" name="Freeform 6">
+            <a:extLst>
+              <a:ext uri="{FF2B5EF4-FFF2-40B4-BE49-F238E27FC236}">
+                <a16:creationId xmlns:a16="http://schemas.microsoft.com/office/drawing/2014/main" id="{48C811F0-0ED8-4A7B-BFDE-6433C690ED4F}"/>
+              </a:ext>
+              <a:ext uri="{C183D7F6-B498-43B3-948B-1728B52AA6E4}">
+                <adec:decorative xmlns:adec="http://schemas.microsoft.com/office/drawing/2017/decorative" val="1"/>
+              </a:ext>
+            </a:extLst>
+          </p:cNvPr>
+          <p:cNvSpPr>
+            <a:spLocks noGrp="1" noRot="1" noChangeAspect="1" noMove="1" noResize="1" noEditPoints="1" noAdjustHandles="1" noChangeArrowheads="1" noChangeShapeType="1" noTextEdit="1"/>
+          </p:cNvSpPr>
+          <p:nvPr>
+            <p:extLst>
+              <p:ext uri="{386F3935-93C4-4BCD-93E2-E3B085C9AB24}">
+                <p16:designElem xmlns:p16="http://schemas.microsoft.com/office/powerpoint/2015/main" val="1"/>
+              </p:ext>
+            </p:extLst>
+          </p:nvPr>
+        </p:nvSpPr>
+        <p:spPr bwMode="auto">
+          <a:xfrm rot="5400000" flipH="1">
+            <a:off x="973751" y="303896"/>
+            <a:ext cx="1910102" cy="2570671"/>
+          </a:xfrm>
+          <a:custGeom>
+            <a:avLst/>
+            <a:gdLst/>
+            <a:ahLst/>
+            <a:cxnLst/>
+            <a:rect l="l" t="t" r="r" b="b"/>
+            <a:pathLst>
+              <a:path w="10002" h="10000">
+                <a:moveTo>
+                  <a:pt x="8763" y="0"/>
+                </a:moveTo>
+                <a:lnTo>
+                  <a:pt x="10002" y="0"/>
+                </a:lnTo>
+                <a:lnTo>
+                  <a:pt x="10002" y="10000"/>
+                </a:lnTo>
+                <a:lnTo>
+                  <a:pt x="2" y="10000"/>
+                </a:lnTo>
+                <a:cubicBezTo>
+                  <a:pt x="-2" y="9698"/>
+                  <a:pt x="4" y="9427"/>
+                  <a:pt x="0" y="9125"/>
+                </a:cubicBezTo>
+                <a:lnTo>
+                  <a:pt x="8763" y="9128"/>
+                </a:lnTo>
+                <a:lnTo>
+                  <a:pt x="8763" y="0"/>
+                </a:lnTo>
+                <a:close/>
+              </a:path>
+            </a:pathLst>
+          </a:custGeom>
+          <a:solidFill>
+            <a:schemeClr val="tx2"/>
+          </a:solidFill>
+          <a:ln w="0">
+            <a:noFill/>
+            <a:prstDash val="solid"/>
+            <a:round/>
+            <a:headEnd/>
+            <a:tailEnd/>
+          </a:ln>
+        </p:spPr>
+      </p:sp>
+      <p:sp>
+        <p:nvSpPr>
+          <p:cNvPr id="2" name="Title 1">
+            <a:extLst>
+              <a:ext uri="{FF2B5EF4-FFF2-40B4-BE49-F238E27FC236}">
+                <a16:creationId xmlns:a16="http://schemas.microsoft.com/office/drawing/2014/main" id="{EE3DE26F-F6A0-400C-B2DF-D7D6280724EA}"/>
+              </a:ext>
+            </a:extLst>
+          </p:cNvPr>
+          <p:cNvSpPr>
+            <a:spLocks noGrp="1"/>
+          </p:cNvSpPr>
+          <p:nvPr>
+            <p:ph type="title"/>
+          </p:nvPr>
+        </p:nvSpPr>
+        <p:spPr>
+          <a:xfrm>
+            <a:off x="1253764" y="1327355"/>
+            <a:ext cx="3559425" cy="4482564"/>
+          </a:xfrm>
+        </p:spPr>
+        <p:txBody>
+          <a:bodyPr>
+            <a:normAutofit/>
+          </a:bodyPr>
+          <a:lstStyle/>
+          <a:p>
+            <a:r>
+              <a:rPr lang="en-US" dirty="0" err="1"/>
+              <a:t>GraphQL</a:t>
+            </a:r>
+            <a:r>
+              <a:rPr lang="en-US" dirty="0"/>
+              <a:t> &amp; React</a:t>
+            </a:r>
+            <a:br>
+              <a:rPr lang="en-US" dirty="0"/>
+            </a:br>
+            <a:r>
+              <a:rPr lang="en-US" dirty="0"/>
+              <a:t>Components</a:t>
+            </a:r>
+            <a:endParaRPr lang="en-FI" dirty="0"/>
+          </a:p>
+        </p:txBody>
+      </p:sp>
+      <p:sp>
+        <p:nvSpPr>
+          <p:cNvPr id="12" name="Rectangle 11">
+            <a:extLst>
+              <a:ext uri="{FF2B5EF4-FFF2-40B4-BE49-F238E27FC236}">
+                <a16:creationId xmlns:a16="http://schemas.microsoft.com/office/drawing/2014/main" id="{AAC19CEE-435E-4643-849E-5194A57437C0}"/>
+              </a:ext>
+              <a:ext uri="{C183D7F6-B498-43B3-948B-1728B52AA6E4}">
+                <adec:decorative xmlns:adec="http://schemas.microsoft.com/office/drawing/2017/decorative" val="1"/>
+              </a:ext>
+            </a:extLst>
+          </p:cNvPr>
+          <p:cNvSpPr>
+            <a:spLocks noGrp="1" noRot="1" noChangeAspect="1" noMove="1" noResize="1" noEditPoints="1" noAdjustHandles="1" noChangeArrowheads="1" noChangeShapeType="1" noTextEdit="1"/>
+          </p:cNvSpPr>
+          <p:nvPr>
+            <p:extLst>
+              <p:ext uri="{386F3935-93C4-4BCD-93E2-E3B085C9AB24}">
+                <p16:designElem xmlns:p16="http://schemas.microsoft.com/office/powerpoint/2015/main" val="1"/>
+              </p:ext>
+            </p:extLst>
+          </p:nvPr>
+        </p:nvSpPr>
+        <p:spPr>
+          <a:xfrm>
+            <a:off x="2" y="6453386"/>
+            <a:ext cx="12191998" cy="404614"/>
+          </a:xfrm>
+          <a:prstGeom prst="rect">
+            <a:avLst/>
+          </a:prstGeom>
+          <a:solidFill>
+            <a:schemeClr val="accent1"/>
+          </a:solidFill>
+          <a:ln>
+            <a:noFill/>
+          </a:ln>
+        </p:spPr>
+        <p:style>
+          <a:lnRef idx="2">
+            <a:schemeClr val="accent1">
+              <a:shade val="50000"/>
+            </a:schemeClr>
+          </a:lnRef>
+          <a:fillRef idx="1">
+            <a:schemeClr val="accent1"/>
+          </a:fillRef>
+          <a:effectRef idx="0">
+            <a:schemeClr val="accent1"/>
+          </a:effectRef>
+          <a:fontRef idx="minor">
+            <a:schemeClr val="lt1"/>
+          </a:fontRef>
+        </p:style>
+        <p:txBody>
+          <a:bodyPr/>
+          <a:lstStyle/>
+          <a:p>
+            <a:endParaRPr lang="en-US" dirty="0"/>
+          </a:p>
+        </p:txBody>
+      </p:sp>
+      <p:pic>
+        <p:nvPicPr>
+          <p:cNvPr id="11" name="Picture 6" descr="Kuvahaun tulos haulle graphql">
+            <a:extLst>
+              <a:ext uri="{FF2B5EF4-FFF2-40B4-BE49-F238E27FC236}">
+                <a16:creationId xmlns:a16="http://schemas.microsoft.com/office/drawing/2014/main" id="{080AFA19-69BF-4E5E-8669-8C5A7B2DA742}"/>
+              </a:ext>
+            </a:extLst>
+          </p:cNvPr>
+          <p:cNvPicPr>
+            <a:picLocks noChangeAspect="1" noChangeArrowheads="1"/>
+          </p:cNvPicPr>
+          <p:nvPr/>
+        </p:nvPicPr>
+        <p:blipFill>
+          <a:blip r:embed="rId2">
+            <a:extLst>
+              <a:ext uri="{28A0092B-C50C-407E-A947-70E740481C1C}">
+                <a14:useLocalDpi xmlns:a14="http://schemas.microsoft.com/office/drawing/2010/main" val="0"/>
+              </a:ext>
+            </a:extLst>
+          </a:blip>
+          <a:srcRect/>
+          <a:stretch>
+            <a:fillRect/>
+          </a:stretch>
+        </p:blipFill>
+        <p:spPr bwMode="auto">
+          <a:xfrm>
+            <a:off x="10972800" y="685800"/>
+            <a:ext cx="951722" cy="951722"/>
+          </a:xfrm>
+          <a:prstGeom prst="rect">
+            <a:avLst/>
+          </a:prstGeom>
+          <a:noFill/>
+          <a:extLst>
+            <a:ext uri="{909E8E84-426E-40DD-AFC4-6F175D3DCCD1}">
+              <a14:hiddenFill xmlns:a14="http://schemas.microsoft.com/office/drawing/2010/main">
+                <a:solidFill>
+                  <a:srgbClr val="FFFFFF"/>
+                </a:solidFill>
+              </a14:hiddenFill>
+            </a:ext>
+          </a:extLst>
+        </p:spPr>
+      </p:pic>
+      <p:pic>
+        <p:nvPicPr>
+          <p:cNvPr id="3" name="Picture 2">
+            <a:extLst>
+              <a:ext uri="{FF2B5EF4-FFF2-40B4-BE49-F238E27FC236}">
+                <a16:creationId xmlns:a16="http://schemas.microsoft.com/office/drawing/2014/main" id="{07031421-D544-49B4-AEA6-66A9F37F3365}"/>
+              </a:ext>
+            </a:extLst>
+          </p:cNvPr>
+          <p:cNvPicPr>
+            <a:picLocks noChangeAspect="1"/>
+          </p:cNvPicPr>
+          <p:nvPr/>
+        </p:nvPicPr>
+        <p:blipFill>
+          <a:blip r:embed="rId3"/>
+          <a:stretch>
+            <a:fillRect/>
+          </a:stretch>
+        </p:blipFill>
+        <p:spPr>
+          <a:xfrm>
+            <a:off x="4813189" y="1589231"/>
+            <a:ext cx="5347859" cy="3191337"/>
+          </a:xfrm>
+          <a:prstGeom prst="rect">
+            <a:avLst/>
+          </a:prstGeom>
+        </p:spPr>
+      </p:pic>
+      <p:sp>
+        <p:nvSpPr>
+          <p:cNvPr id="7" name="TextBox 6">
+            <a:extLst>
+              <a:ext uri="{FF2B5EF4-FFF2-40B4-BE49-F238E27FC236}">
+                <a16:creationId xmlns:a16="http://schemas.microsoft.com/office/drawing/2014/main" id="{FA5D63F4-0E6E-4D8E-B05A-6684158ED266}"/>
+              </a:ext>
+            </a:extLst>
+          </p:cNvPr>
+          <p:cNvSpPr txBox="1"/>
+          <p:nvPr/>
+        </p:nvSpPr>
+        <p:spPr>
+          <a:xfrm>
+            <a:off x="1268328" y="5024761"/>
+            <a:ext cx="9704471" cy="923330"/>
+          </a:xfrm>
+          <a:prstGeom prst="rect">
+            <a:avLst/>
+          </a:prstGeom>
+          <a:noFill/>
+        </p:spPr>
+        <p:txBody>
+          <a:bodyPr wrap="square" rtlCol="0">
+            <a:spAutoFit/>
+          </a:bodyPr>
+          <a:lstStyle/>
+          <a:p>
+            <a:r>
+              <a:rPr lang="en-US" dirty="0"/>
+              <a:t>By exporting the </a:t>
+            </a:r>
+            <a:r>
+              <a:rPr lang="en-US" dirty="0" err="1"/>
+              <a:t>graphql</a:t>
+            </a:r>
+            <a:r>
+              <a:rPr lang="en-US" dirty="0"/>
+              <a:t>() function with our </a:t>
+            </a:r>
+            <a:r>
+              <a:rPr lang="en-US" dirty="0" err="1"/>
+              <a:t>getBooksQ</a:t>
+            </a:r>
+            <a:r>
+              <a:rPr lang="en-US" dirty="0"/>
+              <a:t> query, we can create higher-order components that can execute queries and update reactively based on the data in the Apollo “store”.</a:t>
+            </a:r>
+            <a:endParaRPr lang="en-FI" dirty="0"/>
+          </a:p>
+        </p:txBody>
+      </p:sp>
+      <p:sp>
+        <p:nvSpPr>
+          <p:cNvPr id="9" name="TextBox 8">
+            <a:extLst>
+              <a:ext uri="{FF2B5EF4-FFF2-40B4-BE49-F238E27FC236}">
+                <a16:creationId xmlns:a16="http://schemas.microsoft.com/office/drawing/2014/main" id="{41A3D2FB-C637-47D5-B9B6-C8241737FFB6}"/>
+              </a:ext>
+            </a:extLst>
+          </p:cNvPr>
+          <p:cNvSpPr txBox="1"/>
+          <p:nvPr/>
+        </p:nvSpPr>
+        <p:spPr>
+          <a:xfrm>
+            <a:off x="4813189" y="1225118"/>
+            <a:ext cx="2489684" cy="369332"/>
+          </a:xfrm>
+          <a:prstGeom prst="rect">
+            <a:avLst/>
+          </a:prstGeom>
+          <a:noFill/>
+        </p:spPr>
+        <p:txBody>
+          <a:bodyPr wrap="square" rtlCol="0">
+            <a:spAutoFit/>
+          </a:bodyPr>
+          <a:lstStyle/>
+          <a:p>
+            <a:r>
+              <a:rPr lang="en-US" dirty="0"/>
+              <a:t>Components\Books.js</a:t>
+            </a:r>
+            <a:endParaRPr lang="en-FI" dirty="0"/>
+          </a:p>
+        </p:txBody>
+      </p:sp>
+    </p:spTree>
+    <p:extLst>
+      <p:ext uri="{BB962C8B-B14F-4D97-AF65-F5344CB8AC3E}">
+        <p14:creationId xmlns:p14="http://schemas.microsoft.com/office/powerpoint/2010/main" val="2029093305"/>
+      </p:ext>
+    </p:extLst>
+  </p:cSld>
+  <p:clrMapOvr>
+    <a:overrideClrMapping bg1="dk1" tx1="lt1" bg2="dk2" tx2="lt2" accent1="accent1" accent2="accent2" accent3="accent3" accent4="accent4" accent5="accent5" accent6="accent6" hlink="hlink" folHlink="folHlink"/>
+  </p:clrMapOvr>
+</p:sld>
+</file>
+
+<file path=ppt/slides/slide33.xml><?xml version="1.0" encoding="utf-8"?>
+<p:sld xmlns:a="http://schemas.openxmlformats.org/drawingml/2006/main" xmlns:r="http://schemas.openxmlformats.org/officeDocument/2006/relationships" xmlns:p="http://schemas.openxmlformats.org/presentationml/2006/main">
+  <p:cSld>
+    <p:bg>
+      <p:bgPr>
+        <a:solidFill>
+          <a:schemeClr val="bg2"/>
+        </a:solidFill>
+        <a:effectLst/>
+      </p:bgPr>
+    </p:bg>
+    <p:spTree>
+      <p:nvGrpSpPr>
+        <p:cNvPr id="1" name=""/>
+        <p:cNvGrpSpPr/>
+        <p:nvPr/>
+      </p:nvGrpSpPr>
+      <p:grpSpPr>
+        <a:xfrm>
+          <a:off x="0" y="0"/>
+          <a:ext cx="0" cy="0"/>
+          <a:chOff x="0" y="0"/>
+          <a:chExt cx="0" cy="0"/>
+        </a:xfrm>
+      </p:grpSpPr>
+      <p:sp useBgFill="1">
+        <p:nvSpPr>
+          <p:cNvPr id="8" name="Rectangle 7">
+            <a:extLst>
+              <a:ext uri="{FF2B5EF4-FFF2-40B4-BE49-F238E27FC236}">
+                <a16:creationId xmlns:a16="http://schemas.microsoft.com/office/drawing/2014/main" id="{C3638F2F-4688-4030-B1CC-802724443B77}"/>
+              </a:ext>
+              <a:ext uri="{C183D7F6-B498-43B3-948B-1728B52AA6E4}">
+                <adec:decorative xmlns:adec="http://schemas.microsoft.com/office/drawing/2017/decorative" val="1"/>
+              </a:ext>
+            </a:extLst>
+          </p:cNvPr>
+          <p:cNvSpPr>
+            <a:spLocks noGrp="1" noRot="1" noChangeAspect="1" noMove="1" noResize="1" noEditPoints="1" noAdjustHandles="1" noChangeArrowheads="1" noChangeShapeType="1" noTextEdit="1"/>
+          </p:cNvSpPr>
+          <p:nvPr>
+            <p:extLst>
+              <p:ext uri="{386F3935-93C4-4BCD-93E2-E3B085C9AB24}">
+                <p16:designElem xmlns:p16="http://schemas.microsoft.com/office/powerpoint/2015/main" val="1"/>
+              </p:ext>
+            </p:extLst>
+          </p:nvPr>
+        </p:nvSpPr>
+        <p:spPr>
+          <a:xfrm>
+            <a:off x="0" y="0"/>
+            <a:ext cx="12192000" cy="6858000"/>
+          </a:xfrm>
+          <a:prstGeom prst="rect">
+            <a:avLst/>
+          </a:prstGeom>
+          <a:ln>
+            <a:noFill/>
+          </a:ln>
+        </p:spPr>
+        <p:style>
+          <a:lnRef idx="2">
+            <a:schemeClr val="accent1">
+              <a:shade val="50000"/>
+            </a:schemeClr>
+          </a:lnRef>
+          <a:fillRef idx="1001">
+            <a:schemeClr val="lt2"/>
+          </a:fillRef>
+          <a:effectRef idx="0">
+            <a:schemeClr val="accent1"/>
+          </a:effectRef>
+          <a:fontRef idx="minor">
+            <a:schemeClr val="lt1"/>
+          </a:fontRef>
+        </p:style>
+        <p:txBody>
+          <a:bodyPr rtlCol="0" anchor="ctr"/>
+          <a:lstStyle/>
+          <a:p>
+            <a:pPr algn="ctr"/>
+            <a:endParaRPr lang="en-US"/>
+          </a:p>
+        </p:txBody>
+      </p:sp>
+      <p:sp>
+        <p:nvSpPr>
+          <p:cNvPr id="10" name="Freeform 6">
+            <a:extLst>
+              <a:ext uri="{FF2B5EF4-FFF2-40B4-BE49-F238E27FC236}">
+                <a16:creationId xmlns:a16="http://schemas.microsoft.com/office/drawing/2014/main" id="{48C811F0-0ED8-4A7B-BFDE-6433C690ED4F}"/>
+              </a:ext>
+              <a:ext uri="{C183D7F6-B498-43B3-948B-1728B52AA6E4}">
+                <adec:decorative xmlns:adec="http://schemas.microsoft.com/office/drawing/2017/decorative" val="1"/>
+              </a:ext>
+            </a:extLst>
+          </p:cNvPr>
+          <p:cNvSpPr>
+            <a:spLocks noGrp="1" noRot="1" noChangeAspect="1" noMove="1" noResize="1" noEditPoints="1" noAdjustHandles="1" noChangeArrowheads="1" noChangeShapeType="1" noTextEdit="1"/>
+          </p:cNvSpPr>
+          <p:nvPr>
+            <p:extLst>
+              <p:ext uri="{386F3935-93C4-4BCD-93E2-E3B085C9AB24}">
+                <p16:designElem xmlns:p16="http://schemas.microsoft.com/office/powerpoint/2015/main" val="1"/>
+              </p:ext>
+            </p:extLst>
+          </p:nvPr>
+        </p:nvSpPr>
+        <p:spPr bwMode="auto">
+          <a:xfrm rot="5400000" flipH="1">
+            <a:off x="973751" y="303896"/>
+            <a:ext cx="1910102" cy="2570671"/>
+          </a:xfrm>
+          <a:custGeom>
+            <a:avLst/>
+            <a:gdLst/>
+            <a:ahLst/>
+            <a:cxnLst/>
+            <a:rect l="l" t="t" r="r" b="b"/>
+            <a:pathLst>
+              <a:path w="10002" h="10000">
+                <a:moveTo>
+                  <a:pt x="8763" y="0"/>
+                </a:moveTo>
+                <a:lnTo>
+                  <a:pt x="10002" y="0"/>
+                </a:lnTo>
+                <a:lnTo>
+                  <a:pt x="10002" y="10000"/>
+                </a:lnTo>
+                <a:lnTo>
+                  <a:pt x="2" y="10000"/>
+                </a:lnTo>
+                <a:cubicBezTo>
+                  <a:pt x="-2" y="9698"/>
+                  <a:pt x="4" y="9427"/>
+                  <a:pt x="0" y="9125"/>
+                </a:cubicBezTo>
+                <a:lnTo>
+                  <a:pt x="8763" y="9128"/>
+                </a:lnTo>
+                <a:lnTo>
+                  <a:pt x="8763" y="0"/>
+                </a:lnTo>
+                <a:close/>
+              </a:path>
+            </a:pathLst>
+          </a:custGeom>
+          <a:solidFill>
+            <a:schemeClr val="tx2"/>
+          </a:solidFill>
+          <a:ln w="0">
+            <a:noFill/>
+            <a:prstDash val="solid"/>
+            <a:round/>
+            <a:headEnd/>
+            <a:tailEnd/>
+          </a:ln>
+        </p:spPr>
+      </p:sp>
+      <p:sp>
+        <p:nvSpPr>
+          <p:cNvPr id="2" name="Title 1">
+            <a:extLst>
+              <a:ext uri="{FF2B5EF4-FFF2-40B4-BE49-F238E27FC236}">
+                <a16:creationId xmlns:a16="http://schemas.microsoft.com/office/drawing/2014/main" id="{EE3DE26F-F6A0-400C-B2DF-D7D6280724EA}"/>
+              </a:ext>
+            </a:extLst>
+          </p:cNvPr>
+          <p:cNvSpPr>
+            <a:spLocks noGrp="1"/>
+          </p:cNvSpPr>
+          <p:nvPr>
+            <p:ph type="title"/>
+          </p:nvPr>
+        </p:nvSpPr>
+        <p:spPr>
+          <a:xfrm>
+            <a:off x="1253764" y="1327355"/>
+            <a:ext cx="3559425" cy="4482564"/>
+          </a:xfrm>
+        </p:spPr>
+        <p:txBody>
+          <a:bodyPr>
+            <a:normAutofit/>
+          </a:bodyPr>
+          <a:lstStyle/>
+          <a:p>
+            <a:r>
+              <a:rPr lang="en-US" dirty="0" err="1"/>
+              <a:t>GraphQL</a:t>
+            </a:r>
+            <a:r>
+              <a:rPr lang="en-US" dirty="0"/>
+              <a:t> &amp; React</a:t>
+            </a:r>
+            <a:br>
+              <a:rPr lang="en-US" dirty="0"/>
+            </a:br>
+            <a:r>
+              <a:rPr lang="en-US" dirty="0"/>
+              <a:t>Components</a:t>
+            </a:r>
+            <a:endParaRPr lang="en-FI" dirty="0"/>
+          </a:p>
+        </p:txBody>
+      </p:sp>
+      <p:sp>
+        <p:nvSpPr>
+          <p:cNvPr id="12" name="Rectangle 11">
+            <a:extLst>
+              <a:ext uri="{FF2B5EF4-FFF2-40B4-BE49-F238E27FC236}">
+                <a16:creationId xmlns:a16="http://schemas.microsoft.com/office/drawing/2014/main" id="{AAC19CEE-435E-4643-849E-5194A57437C0}"/>
+              </a:ext>
+              <a:ext uri="{C183D7F6-B498-43B3-948B-1728B52AA6E4}">
+                <adec:decorative xmlns:adec="http://schemas.microsoft.com/office/drawing/2017/decorative" val="1"/>
+              </a:ext>
+            </a:extLst>
+          </p:cNvPr>
+          <p:cNvSpPr>
+            <a:spLocks noGrp="1" noRot="1" noChangeAspect="1" noMove="1" noResize="1" noEditPoints="1" noAdjustHandles="1" noChangeArrowheads="1" noChangeShapeType="1" noTextEdit="1"/>
+          </p:cNvSpPr>
+          <p:nvPr>
+            <p:extLst>
+              <p:ext uri="{386F3935-93C4-4BCD-93E2-E3B085C9AB24}">
+                <p16:designElem xmlns:p16="http://schemas.microsoft.com/office/powerpoint/2015/main" val="1"/>
+              </p:ext>
+            </p:extLst>
+          </p:nvPr>
+        </p:nvSpPr>
+        <p:spPr>
+          <a:xfrm>
+            <a:off x="2" y="6453386"/>
+            <a:ext cx="12191998" cy="404614"/>
+          </a:xfrm>
+          <a:prstGeom prst="rect">
+            <a:avLst/>
+          </a:prstGeom>
+          <a:solidFill>
+            <a:schemeClr val="accent1"/>
+          </a:solidFill>
+          <a:ln>
+            <a:noFill/>
+          </a:ln>
+        </p:spPr>
+        <p:style>
+          <a:lnRef idx="2">
+            <a:schemeClr val="accent1">
+              <a:shade val="50000"/>
+            </a:schemeClr>
+          </a:lnRef>
+          <a:fillRef idx="1">
+            <a:schemeClr val="accent1"/>
+          </a:fillRef>
+          <a:effectRef idx="0">
+            <a:schemeClr val="accent1"/>
+          </a:effectRef>
+          <a:fontRef idx="minor">
+            <a:schemeClr val="lt1"/>
+          </a:fontRef>
+        </p:style>
+        <p:txBody>
+          <a:bodyPr/>
+          <a:lstStyle/>
+          <a:p>
+            <a:endParaRPr lang="en-US" dirty="0"/>
+          </a:p>
+        </p:txBody>
+      </p:sp>
+      <p:pic>
+        <p:nvPicPr>
+          <p:cNvPr id="11" name="Picture 6" descr="Kuvahaun tulos haulle graphql">
+            <a:extLst>
+              <a:ext uri="{FF2B5EF4-FFF2-40B4-BE49-F238E27FC236}">
+                <a16:creationId xmlns:a16="http://schemas.microsoft.com/office/drawing/2014/main" id="{080AFA19-69BF-4E5E-8669-8C5A7B2DA742}"/>
+              </a:ext>
+            </a:extLst>
+          </p:cNvPr>
+          <p:cNvPicPr>
+            <a:picLocks noChangeAspect="1" noChangeArrowheads="1"/>
+          </p:cNvPicPr>
+          <p:nvPr/>
+        </p:nvPicPr>
+        <p:blipFill>
+          <a:blip r:embed="rId2">
+            <a:extLst>
+              <a:ext uri="{28A0092B-C50C-407E-A947-70E740481C1C}">
+                <a14:useLocalDpi xmlns:a14="http://schemas.microsoft.com/office/drawing/2010/main" val="0"/>
+              </a:ext>
+            </a:extLst>
+          </a:blip>
+          <a:srcRect/>
+          <a:stretch>
+            <a:fillRect/>
+          </a:stretch>
+        </p:blipFill>
+        <p:spPr bwMode="auto">
+          <a:xfrm>
+            <a:off x="10972800" y="685800"/>
+            <a:ext cx="951722" cy="951722"/>
+          </a:xfrm>
+          <a:prstGeom prst="rect">
+            <a:avLst/>
+          </a:prstGeom>
+          <a:noFill/>
+          <a:extLst>
+            <a:ext uri="{909E8E84-426E-40DD-AFC4-6F175D3DCCD1}">
+              <a14:hiddenFill xmlns:a14="http://schemas.microsoft.com/office/drawing/2010/main">
+                <a:solidFill>
+                  <a:srgbClr val="FFFFFF"/>
+                </a:solidFill>
+              </a14:hiddenFill>
+            </a:ext>
+          </a:extLst>
+        </p:spPr>
+      </p:pic>
+      <p:pic>
+        <p:nvPicPr>
+          <p:cNvPr id="4" name="Picture 3">
+            <a:extLst>
+              <a:ext uri="{FF2B5EF4-FFF2-40B4-BE49-F238E27FC236}">
+                <a16:creationId xmlns:a16="http://schemas.microsoft.com/office/drawing/2014/main" id="{A3768560-9260-4000-8E8A-0728C2CA9C3B}"/>
+              </a:ext>
+            </a:extLst>
+          </p:cNvPr>
+          <p:cNvPicPr>
+            <a:picLocks noChangeAspect="1"/>
+          </p:cNvPicPr>
+          <p:nvPr/>
+        </p:nvPicPr>
+        <p:blipFill>
+          <a:blip r:embed="rId3"/>
+          <a:stretch>
+            <a:fillRect/>
+          </a:stretch>
+        </p:blipFill>
+        <p:spPr>
+          <a:xfrm>
+            <a:off x="4892619" y="2218863"/>
+            <a:ext cx="3609975" cy="2171700"/>
+          </a:xfrm>
+          <a:prstGeom prst="rect">
+            <a:avLst/>
+          </a:prstGeom>
+        </p:spPr>
+      </p:pic>
+      <p:sp>
+        <p:nvSpPr>
+          <p:cNvPr id="5" name="TextBox 4">
+            <a:extLst>
+              <a:ext uri="{FF2B5EF4-FFF2-40B4-BE49-F238E27FC236}">
+                <a16:creationId xmlns:a16="http://schemas.microsoft.com/office/drawing/2014/main" id="{E3D225BD-5095-4D3E-9941-047BEB03521B}"/>
+              </a:ext>
+            </a:extLst>
+          </p:cNvPr>
+          <p:cNvSpPr txBox="1"/>
+          <p:nvPr/>
+        </p:nvSpPr>
+        <p:spPr>
+          <a:xfrm>
+            <a:off x="4896659" y="1849531"/>
+            <a:ext cx="2482154" cy="369332"/>
+          </a:xfrm>
+          <a:prstGeom prst="rect">
+            <a:avLst/>
+          </a:prstGeom>
+          <a:noFill/>
+        </p:spPr>
+        <p:txBody>
+          <a:bodyPr wrap="none" rtlCol="0">
+            <a:spAutoFit/>
+          </a:bodyPr>
+          <a:lstStyle/>
+          <a:p>
+            <a:r>
+              <a:rPr lang="en-US" dirty="0"/>
+              <a:t>Components\Authors.js</a:t>
+            </a:r>
+            <a:endParaRPr lang="en-FI" dirty="0"/>
+          </a:p>
+        </p:txBody>
+      </p:sp>
+      <p:sp>
+        <p:nvSpPr>
+          <p:cNvPr id="6" name="TextBox 5">
+            <a:extLst>
+              <a:ext uri="{FF2B5EF4-FFF2-40B4-BE49-F238E27FC236}">
+                <a16:creationId xmlns:a16="http://schemas.microsoft.com/office/drawing/2014/main" id="{4E6D282F-A432-42D7-B2C3-E7CEDDC0A709}"/>
+              </a:ext>
+            </a:extLst>
+          </p:cNvPr>
+          <p:cNvSpPr txBox="1"/>
+          <p:nvPr/>
+        </p:nvSpPr>
+        <p:spPr>
+          <a:xfrm>
+            <a:off x="1253764" y="4980373"/>
+            <a:ext cx="9684471" cy="646331"/>
+          </a:xfrm>
+          <a:prstGeom prst="rect">
+            <a:avLst/>
+          </a:prstGeom>
+          <a:noFill/>
+        </p:spPr>
+        <p:txBody>
+          <a:bodyPr wrap="square" rtlCol="0">
+            <a:spAutoFit/>
+          </a:bodyPr>
+          <a:lstStyle/>
+          <a:p>
+            <a:r>
+              <a:rPr lang="en-US" dirty="0"/>
+              <a:t>The setup for our Authors component is exactly the same, except we are only querying </a:t>
+            </a:r>
+            <a:r>
+              <a:rPr lang="en-US"/>
+              <a:t>the name and age.</a:t>
+            </a:r>
+            <a:endParaRPr lang="en-FI" dirty="0"/>
+          </a:p>
+        </p:txBody>
+      </p:sp>
+    </p:spTree>
+    <p:extLst>
+      <p:ext uri="{BB962C8B-B14F-4D97-AF65-F5344CB8AC3E}">
+        <p14:creationId xmlns:p14="http://schemas.microsoft.com/office/powerpoint/2010/main" val="3121534433"/>
+      </p:ext>
+    </p:extLst>
+  </p:cSld>
+  <p:clrMapOvr>
+    <a:overrideClrMapping bg1="dk1" tx1="lt1" bg2="dk2" tx2="lt2" accent1="accent1" accent2="accent2" accent3="accent3" accent4="accent4" accent5="accent5" accent6="accent6" hlink="hlink" folHlink="folHlink"/>
   </p:clrMapOvr>
 </p:sld>
 </file>

--- a/presentation/GraphQL_t7oele00.pptx
+++ b/presentation/GraphQL_t7oele00.pptx
@@ -229,7 +229,7 @@
           <a:p>
             <a:fld id="{8F11AC0F-669A-4355-BFA0-CC2C032DAD39}" type="datetimeFigureOut">
               <a:rPr lang="en-FI" smtClean="0"/>
-              <a:t>21/02/2020</a:t>
+              <a:t>23/02/2020</a:t>
             </a:fld>
             <a:endParaRPr lang="en-FI"/>
           </a:p>
@@ -886,7 +886,7 @@
           <a:p>
             <a:fld id="{D5226EF3-1C4B-40CB-8456-F0D384CBCD4A}" type="datetimeFigureOut">
               <a:rPr lang="en-FI" smtClean="0"/>
-              <a:t>21/02/2020</a:t>
+              <a:t>23/02/2020</a:t>
             </a:fld>
             <a:endParaRPr lang="en-FI"/>
           </a:p>
@@ -1221,7 +1221,7 @@
           <a:p>
             <a:fld id="{D5226EF3-1C4B-40CB-8456-F0D384CBCD4A}" type="datetimeFigureOut">
               <a:rPr lang="en-FI" smtClean="0"/>
-              <a:t>21/02/2020</a:t>
+              <a:t>23/02/2020</a:t>
             </a:fld>
             <a:endParaRPr lang="en-FI"/>
           </a:p>
@@ -1401,7 +1401,7 @@
           <a:p>
             <a:fld id="{D5226EF3-1C4B-40CB-8456-F0D384CBCD4A}" type="datetimeFigureOut">
               <a:rPr lang="en-FI" smtClean="0"/>
-              <a:t>21/02/2020</a:t>
+              <a:t>23/02/2020</a:t>
             </a:fld>
             <a:endParaRPr lang="en-FI"/>
           </a:p>
@@ -1576,7 +1576,7 @@
           <a:p>
             <a:fld id="{D5226EF3-1C4B-40CB-8456-F0D384CBCD4A}" type="datetimeFigureOut">
               <a:rPr lang="en-FI" smtClean="0"/>
-              <a:t>21/02/2020</a:t>
+              <a:t>23/02/2020</a:t>
             </a:fld>
             <a:endParaRPr lang="en-FI"/>
           </a:p>
@@ -1853,7 +1853,7 @@
           <a:p>
             <a:fld id="{D5226EF3-1C4B-40CB-8456-F0D384CBCD4A}" type="datetimeFigureOut">
               <a:rPr lang="en-FI" smtClean="0"/>
-              <a:t>21/02/2020</a:t>
+              <a:t>23/02/2020</a:t>
             </a:fld>
             <a:endParaRPr lang="en-FI"/>
           </a:p>
@@ -2252,7 +2252,7 @@
           <a:p>
             <a:fld id="{D5226EF3-1C4B-40CB-8456-F0D384CBCD4A}" type="datetimeFigureOut">
               <a:rPr lang="en-FI" smtClean="0"/>
-              <a:t>21/02/2020</a:t>
+              <a:t>23/02/2020</a:t>
             </a:fld>
             <a:endParaRPr lang="en-FI"/>
           </a:p>
@@ -2729,7 +2729,7 @@
           <a:p>
             <a:fld id="{D5226EF3-1C4B-40CB-8456-F0D384CBCD4A}" type="datetimeFigureOut">
               <a:rPr lang="en-FI" smtClean="0"/>
-              <a:t>21/02/2020</a:t>
+              <a:t>23/02/2020</a:t>
             </a:fld>
             <a:endParaRPr lang="en-FI"/>
           </a:p>
@@ -2847,7 +2847,7 @@
           <a:p>
             <a:fld id="{D5226EF3-1C4B-40CB-8456-F0D384CBCD4A}" type="datetimeFigureOut">
               <a:rPr lang="en-FI" smtClean="0"/>
-              <a:t>21/02/2020</a:t>
+              <a:t>23/02/2020</a:t>
             </a:fld>
             <a:endParaRPr lang="en-FI"/>
           </a:p>
@@ -2942,7 +2942,7 @@
           <a:p>
             <a:fld id="{D5226EF3-1C4B-40CB-8456-F0D384CBCD4A}" type="datetimeFigureOut">
               <a:rPr lang="en-FI" smtClean="0"/>
-              <a:t>21/02/2020</a:t>
+              <a:t>23/02/2020</a:t>
             </a:fld>
             <a:endParaRPr lang="en-FI"/>
           </a:p>
@@ -3293,7 +3293,7 @@
           <a:p>
             <a:fld id="{D5226EF3-1C4B-40CB-8456-F0D384CBCD4A}" type="datetimeFigureOut">
               <a:rPr lang="en-FI" smtClean="0"/>
-              <a:t>21/02/2020</a:t>
+              <a:t>23/02/2020</a:t>
             </a:fld>
             <a:endParaRPr lang="en-FI"/>
           </a:p>
@@ -3686,7 +3686,7 @@
           <a:p>
             <a:fld id="{D5226EF3-1C4B-40CB-8456-F0D384CBCD4A}" type="datetimeFigureOut">
               <a:rPr lang="en-FI" smtClean="0"/>
-              <a:t>21/02/2020</a:t>
+              <a:t>23/02/2020</a:t>
             </a:fld>
             <a:endParaRPr lang="en-FI"/>
           </a:p>
@@ -3964,7 +3964,7 @@
           <a:p>
             <a:fld id="{D5226EF3-1C4B-40CB-8456-F0D384CBCD4A}" type="datetimeFigureOut">
               <a:rPr lang="en-FI" smtClean="0"/>
-              <a:t>21/02/2020</a:t>
+              <a:t>23/02/2020</a:t>
             </a:fld>
             <a:endParaRPr lang="en-FI"/>
           </a:p>
@@ -7148,7 +7148,7 @@
             </a:pPr>
             <a:r>
               <a:rPr lang="en-US" sz="1600" dirty="0"/>
-              <a:t>Easy to learn and expand</a:t>
+              <a:t>Easy to learn and expand				- Reused by all front ends</a:t>
             </a:r>
           </a:p>
           <a:p>
@@ -13987,12 +13987,100 @@
           </a:extLst>
         </p:spPr>
       </p:pic>
+      <p:sp>
+        <p:nvSpPr>
+          <p:cNvPr id="7" name="TextBox 6">
+            <a:extLst>
+              <a:ext uri="{FF2B5EF4-FFF2-40B4-BE49-F238E27FC236}">
+                <a16:creationId xmlns:a16="http://schemas.microsoft.com/office/drawing/2014/main" id="{FA5D63F4-0E6E-4D8E-B05A-6684158ED266}"/>
+              </a:ext>
+            </a:extLst>
+          </p:cNvPr>
+          <p:cNvSpPr txBox="1"/>
+          <p:nvPr/>
+        </p:nvSpPr>
+        <p:spPr>
+          <a:xfrm>
+            <a:off x="1268328" y="5024761"/>
+            <a:ext cx="9704471" cy="923330"/>
+          </a:xfrm>
+          <a:prstGeom prst="rect">
+            <a:avLst/>
+          </a:prstGeom>
+          <a:noFill/>
+        </p:spPr>
+        <p:txBody>
+          <a:bodyPr wrap="square" rtlCol="0">
+            <a:spAutoFit/>
+          </a:bodyPr>
+          <a:lstStyle/>
+          <a:p>
+            <a:r>
+              <a:rPr lang="en-US" dirty="0"/>
+              <a:t>By exporting the </a:t>
+            </a:r>
+            <a:r>
+              <a:rPr lang="en-US" dirty="0" err="1"/>
+              <a:t>graphql</a:t>
+            </a:r>
+            <a:r>
+              <a:rPr lang="en-US" dirty="0"/>
+              <a:t>() function with our </a:t>
+            </a:r>
+            <a:r>
+              <a:rPr lang="en-US" dirty="0" err="1"/>
+              <a:t>getBooksQ</a:t>
+            </a:r>
+            <a:r>
+              <a:rPr lang="en-US" dirty="0"/>
+              <a:t> query, we can create higher-order components that can execute queries and update reactively based on the data in the Apollo “store”.</a:t>
+            </a:r>
+            <a:endParaRPr lang="en-FI" dirty="0"/>
+          </a:p>
+        </p:txBody>
+      </p:sp>
+      <p:sp>
+        <p:nvSpPr>
+          <p:cNvPr id="9" name="TextBox 8">
+            <a:extLst>
+              <a:ext uri="{FF2B5EF4-FFF2-40B4-BE49-F238E27FC236}">
+                <a16:creationId xmlns:a16="http://schemas.microsoft.com/office/drawing/2014/main" id="{41A3D2FB-C637-47D5-B9B6-C8241737FFB6}"/>
+              </a:ext>
+            </a:extLst>
+          </p:cNvPr>
+          <p:cNvSpPr txBox="1"/>
+          <p:nvPr/>
+        </p:nvSpPr>
+        <p:spPr>
+          <a:xfrm>
+            <a:off x="4813189" y="1225118"/>
+            <a:ext cx="2489684" cy="369332"/>
+          </a:xfrm>
+          <a:prstGeom prst="rect">
+            <a:avLst/>
+          </a:prstGeom>
+          <a:noFill/>
+        </p:spPr>
+        <p:txBody>
+          <a:bodyPr wrap="square" rtlCol="0">
+            <a:spAutoFit/>
+          </a:bodyPr>
+          <a:lstStyle/>
+          <a:p>
+            <a:r>
+              <a:rPr lang="en-US" dirty="0"/>
+              <a:t>Components\Books.js</a:t>
+            </a:r>
+            <a:endParaRPr lang="en-FI" dirty="0"/>
+          </a:p>
+        </p:txBody>
+      </p:sp>
       <p:pic>
         <p:nvPicPr>
-          <p:cNvPr id="3" name="Picture 2">
-            <a:extLst>
-              <a:ext uri="{FF2B5EF4-FFF2-40B4-BE49-F238E27FC236}">
-                <a16:creationId xmlns:a16="http://schemas.microsoft.com/office/drawing/2014/main" id="{07031421-D544-49B4-AEA6-66A9F37F3365}"/>
+          <p:cNvPr id="4" name="Picture 3">
+            <a:extLst>
+              <a:ext uri="{FF2B5EF4-FFF2-40B4-BE49-F238E27FC236}">
+                <a16:creationId xmlns:a16="http://schemas.microsoft.com/office/drawing/2014/main" id="{87D3D0EB-14FB-41D8-B997-4B9ABCCB0E78}"/>
               </a:ext>
             </a:extLst>
           </p:cNvPr>
@@ -14009,102 +14097,14 @@
         </p:blipFill>
         <p:spPr>
           <a:xfrm>
-            <a:off x="4813189" y="1589231"/>
-            <a:ext cx="5347859" cy="3191337"/>
+            <a:off x="4394718" y="1683049"/>
+            <a:ext cx="7334735" cy="2986019"/>
           </a:xfrm>
           <a:prstGeom prst="rect">
             <a:avLst/>
           </a:prstGeom>
         </p:spPr>
       </p:pic>
-      <p:sp>
-        <p:nvSpPr>
-          <p:cNvPr id="7" name="TextBox 6">
-            <a:extLst>
-              <a:ext uri="{FF2B5EF4-FFF2-40B4-BE49-F238E27FC236}">
-                <a16:creationId xmlns:a16="http://schemas.microsoft.com/office/drawing/2014/main" id="{FA5D63F4-0E6E-4D8E-B05A-6684158ED266}"/>
-              </a:ext>
-            </a:extLst>
-          </p:cNvPr>
-          <p:cNvSpPr txBox="1"/>
-          <p:nvPr/>
-        </p:nvSpPr>
-        <p:spPr>
-          <a:xfrm>
-            <a:off x="1268328" y="5024761"/>
-            <a:ext cx="9704471" cy="923330"/>
-          </a:xfrm>
-          <a:prstGeom prst="rect">
-            <a:avLst/>
-          </a:prstGeom>
-          <a:noFill/>
-        </p:spPr>
-        <p:txBody>
-          <a:bodyPr wrap="square" rtlCol="0">
-            <a:spAutoFit/>
-          </a:bodyPr>
-          <a:lstStyle/>
-          <a:p>
-            <a:r>
-              <a:rPr lang="en-US" dirty="0"/>
-              <a:t>By exporting the </a:t>
-            </a:r>
-            <a:r>
-              <a:rPr lang="en-US" dirty="0" err="1"/>
-              <a:t>graphql</a:t>
-            </a:r>
-            <a:r>
-              <a:rPr lang="en-US" dirty="0"/>
-              <a:t>() function with our </a:t>
-            </a:r>
-            <a:r>
-              <a:rPr lang="en-US" dirty="0" err="1"/>
-              <a:t>getBooksQ</a:t>
-            </a:r>
-            <a:r>
-              <a:rPr lang="en-US" dirty="0"/>
-              <a:t> query, we can create higher-order components that can execute queries and update reactively based on the data in the Apollo “store”.</a:t>
-            </a:r>
-            <a:endParaRPr lang="en-FI" dirty="0"/>
-          </a:p>
-        </p:txBody>
-      </p:sp>
-      <p:sp>
-        <p:nvSpPr>
-          <p:cNvPr id="9" name="TextBox 8">
-            <a:extLst>
-              <a:ext uri="{FF2B5EF4-FFF2-40B4-BE49-F238E27FC236}">
-                <a16:creationId xmlns:a16="http://schemas.microsoft.com/office/drawing/2014/main" id="{41A3D2FB-C637-47D5-B9B6-C8241737FFB6}"/>
-              </a:ext>
-            </a:extLst>
-          </p:cNvPr>
-          <p:cNvSpPr txBox="1"/>
-          <p:nvPr/>
-        </p:nvSpPr>
-        <p:spPr>
-          <a:xfrm>
-            <a:off x="4813189" y="1225118"/>
-            <a:ext cx="2489684" cy="369332"/>
-          </a:xfrm>
-          <a:prstGeom prst="rect">
-            <a:avLst/>
-          </a:prstGeom>
-          <a:noFill/>
-        </p:spPr>
-        <p:txBody>
-          <a:bodyPr wrap="square" rtlCol="0">
-            <a:spAutoFit/>
-          </a:bodyPr>
-          <a:lstStyle/>
-          <a:p>
-            <a:r>
-              <a:rPr lang="en-US" dirty="0"/>
-              <a:t>Components\Books.js</a:t>
-            </a:r>
-            <a:endParaRPr lang="en-FI" dirty="0"/>
-          </a:p>
-        </p:txBody>
-      </p:sp>
     </p:spTree>
     <p:extLst>
       <p:ext uri="{BB962C8B-B14F-4D97-AF65-F5344CB8AC3E}">
@@ -14434,12 +14434,84 @@
           </a:extLst>
         </p:spPr>
       </p:pic>
+      <p:sp>
+        <p:nvSpPr>
+          <p:cNvPr id="5" name="TextBox 4">
+            <a:extLst>
+              <a:ext uri="{FF2B5EF4-FFF2-40B4-BE49-F238E27FC236}">
+                <a16:creationId xmlns:a16="http://schemas.microsoft.com/office/drawing/2014/main" id="{E3D225BD-5095-4D3E-9941-047BEB03521B}"/>
+              </a:ext>
+            </a:extLst>
+          </p:cNvPr>
+          <p:cNvSpPr txBox="1"/>
+          <p:nvPr/>
+        </p:nvSpPr>
+        <p:spPr>
+          <a:xfrm>
+            <a:off x="4896659" y="1849531"/>
+            <a:ext cx="2482154" cy="369332"/>
+          </a:xfrm>
+          <a:prstGeom prst="rect">
+            <a:avLst/>
+          </a:prstGeom>
+          <a:noFill/>
+        </p:spPr>
+        <p:txBody>
+          <a:bodyPr wrap="none" rtlCol="0">
+            <a:spAutoFit/>
+          </a:bodyPr>
+          <a:lstStyle/>
+          <a:p>
+            <a:r>
+              <a:rPr lang="en-US" dirty="0"/>
+              <a:t>Components\Authors.js</a:t>
+            </a:r>
+            <a:endParaRPr lang="en-FI" dirty="0"/>
+          </a:p>
+        </p:txBody>
+      </p:sp>
+      <p:sp>
+        <p:nvSpPr>
+          <p:cNvPr id="6" name="TextBox 5">
+            <a:extLst>
+              <a:ext uri="{FF2B5EF4-FFF2-40B4-BE49-F238E27FC236}">
+                <a16:creationId xmlns:a16="http://schemas.microsoft.com/office/drawing/2014/main" id="{4E6D282F-A432-42D7-B2C3-E7CEDDC0A709}"/>
+              </a:ext>
+            </a:extLst>
+          </p:cNvPr>
+          <p:cNvSpPr txBox="1"/>
+          <p:nvPr/>
+        </p:nvSpPr>
+        <p:spPr>
+          <a:xfrm>
+            <a:off x="1253764" y="4980373"/>
+            <a:ext cx="9684471" cy="646331"/>
+          </a:xfrm>
+          <a:prstGeom prst="rect">
+            <a:avLst/>
+          </a:prstGeom>
+          <a:noFill/>
+        </p:spPr>
+        <p:txBody>
+          <a:bodyPr wrap="square" rtlCol="0">
+            <a:spAutoFit/>
+          </a:bodyPr>
+          <a:lstStyle/>
+          <a:p>
+            <a:r>
+              <a:rPr lang="en-US" dirty="0"/>
+              <a:t>The setup for our Authors component is exactly the same, except we are querying the name, age and id.</a:t>
+            </a:r>
+            <a:endParaRPr lang="en-FI" dirty="0"/>
+          </a:p>
+        </p:txBody>
+      </p:sp>
       <p:pic>
         <p:nvPicPr>
-          <p:cNvPr id="4" name="Picture 3">
-            <a:extLst>
-              <a:ext uri="{FF2B5EF4-FFF2-40B4-BE49-F238E27FC236}">
-                <a16:creationId xmlns:a16="http://schemas.microsoft.com/office/drawing/2014/main" id="{A3768560-9260-4000-8E8A-0728C2CA9C3B}"/>
+          <p:cNvPr id="3" name="Picture 2">
+            <a:extLst>
+              <a:ext uri="{FF2B5EF4-FFF2-40B4-BE49-F238E27FC236}">
+                <a16:creationId xmlns:a16="http://schemas.microsoft.com/office/drawing/2014/main" id="{5C33C7E5-E958-4BB1-9250-81BDF958483F}"/>
               </a:ext>
             </a:extLst>
           </p:cNvPr>
@@ -14456,90 +14528,14 @@
         </p:blipFill>
         <p:spPr>
           <a:xfrm>
-            <a:off x="4892619" y="2218863"/>
-            <a:ext cx="3609975" cy="2171700"/>
+            <a:off x="4813189" y="2204832"/>
+            <a:ext cx="3552825" cy="2362200"/>
           </a:xfrm>
           <a:prstGeom prst="rect">
             <a:avLst/>
           </a:prstGeom>
         </p:spPr>
       </p:pic>
-      <p:sp>
-        <p:nvSpPr>
-          <p:cNvPr id="5" name="TextBox 4">
-            <a:extLst>
-              <a:ext uri="{FF2B5EF4-FFF2-40B4-BE49-F238E27FC236}">
-                <a16:creationId xmlns:a16="http://schemas.microsoft.com/office/drawing/2014/main" id="{E3D225BD-5095-4D3E-9941-047BEB03521B}"/>
-              </a:ext>
-            </a:extLst>
-          </p:cNvPr>
-          <p:cNvSpPr txBox="1"/>
-          <p:nvPr/>
-        </p:nvSpPr>
-        <p:spPr>
-          <a:xfrm>
-            <a:off x="4896659" y="1849531"/>
-            <a:ext cx="2482154" cy="369332"/>
-          </a:xfrm>
-          <a:prstGeom prst="rect">
-            <a:avLst/>
-          </a:prstGeom>
-          <a:noFill/>
-        </p:spPr>
-        <p:txBody>
-          <a:bodyPr wrap="none" rtlCol="0">
-            <a:spAutoFit/>
-          </a:bodyPr>
-          <a:lstStyle/>
-          <a:p>
-            <a:r>
-              <a:rPr lang="en-US" dirty="0"/>
-              <a:t>Components\Authors.js</a:t>
-            </a:r>
-            <a:endParaRPr lang="en-FI" dirty="0"/>
-          </a:p>
-        </p:txBody>
-      </p:sp>
-      <p:sp>
-        <p:nvSpPr>
-          <p:cNvPr id="6" name="TextBox 5">
-            <a:extLst>
-              <a:ext uri="{FF2B5EF4-FFF2-40B4-BE49-F238E27FC236}">
-                <a16:creationId xmlns:a16="http://schemas.microsoft.com/office/drawing/2014/main" id="{4E6D282F-A432-42D7-B2C3-E7CEDDC0A709}"/>
-              </a:ext>
-            </a:extLst>
-          </p:cNvPr>
-          <p:cNvSpPr txBox="1"/>
-          <p:nvPr/>
-        </p:nvSpPr>
-        <p:spPr>
-          <a:xfrm>
-            <a:off x="1253764" y="4980373"/>
-            <a:ext cx="9684471" cy="646331"/>
-          </a:xfrm>
-          <a:prstGeom prst="rect">
-            <a:avLst/>
-          </a:prstGeom>
-          <a:noFill/>
-        </p:spPr>
-        <p:txBody>
-          <a:bodyPr wrap="square" rtlCol="0">
-            <a:spAutoFit/>
-          </a:bodyPr>
-          <a:lstStyle/>
-          <a:p>
-            <a:r>
-              <a:rPr lang="en-US" dirty="0"/>
-              <a:t>The setup for our Authors component is exactly the same, except we are only querying </a:t>
-            </a:r>
-            <a:r>
-              <a:rPr lang="en-US"/>
-              <a:t>the name and age.</a:t>
-            </a:r>
-            <a:endParaRPr lang="en-FI" dirty="0"/>
-          </a:p>
-        </p:txBody>
-      </p:sp>
     </p:spTree>
     <p:extLst>
       <p:ext uri="{BB962C8B-B14F-4D97-AF65-F5344CB8AC3E}">

--- a/presentation/GraphQL_t7oele00.pptx
+++ b/presentation/GraphQL_t7oele00.pptx
@@ -5,7 +5,7 @@
     <p:sldMasterId id="2147483684" r:id="rId1"/>
   </p:sldMasterIdLst>
   <p:notesMasterIdLst>
-    <p:notesMasterId r:id="rId35"/>
+    <p:notesMasterId r:id="rId40"/>
   </p:notesMasterIdLst>
   <p:sldIdLst>
     <p:sldId id="256" r:id="rId2"/>
@@ -41,6 +41,11 @@
     <p:sldId id="286" r:id="rId32"/>
     <p:sldId id="287" r:id="rId33"/>
     <p:sldId id="288" r:id="rId34"/>
+    <p:sldId id="289" r:id="rId35"/>
+    <p:sldId id="290" r:id="rId36"/>
+    <p:sldId id="291" r:id="rId37"/>
+    <p:sldId id="292" r:id="rId38"/>
+    <p:sldId id="293" r:id="rId39"/>
   </p:sldIdLst>
   <p:sldSz cx="12192000" cy="6858000"/>
   <p:notesSz cx="6858000" cy="9144000"/>
@@ -4682,7 +4687,7 @@
           <a:p>
             <a:r>
               <a:rPr lang="en-US" dirty="0"/>
-              <a:t>Originally developed internally by Facebook in 2012</a:t>
+              <a:t>Originally developed internally by Facebook in 2012 to help with the data access needs of their mobile clients</a:t>
             </a:r>
           </a:p>
           <a:p>
@@ -7872,7 +7877,9 @@
         </p:nvSpPr>
         <p:spPr/>
         <p:txBody>
-          <a:bodyPr/>
+          <a:bodyPr>
+            <a:normAutofit fontScale="92500" lnSpcReduction="10000"/>
+          </a:bodyPr>
           <a:lstStyle/>
           <a:p>
             <a:r>
@@ -7942,6 +7949,12 @@
             <a:r>
               <a:rPr lang="en-US" dirty="0"/>
               <a:t>Practical implementation</a:t>
+            </a:r>
+          </a:p>
+          <a:p>
+            <a:r>
+              <a:rPr lang="en-US" dirty="0"/>
+              <a:t>Existing API?</a:t>
             </a:r>
           </a:p>
           <a:p>
@@ -14545,6 +14558,1505 @@
   </p:cSld>
   <p:clrMapOvr>
     <a:overrideClrMapping bg1="dk1" tx1="lt1" bg2="dk2" tx2="lt2" accent1="accent1" accent2="accent2" accent3="accent3" accent4="accent4" accent5="accent5" accent6="accent6" hlink="hlink" folHlink="folHlink"/>
+  </p:clrMapOvr>
+</p:sld>
+</file>
+
+<file path=ppt/slides/slide34.xml><?xml version="1.0" encoding="utf-8"?>
+<p:sld xmlns:a="http://schemas.openxmlformats.org/drawingml/2006/main" xmlns:r="http://schemas.openxmlformats.org/officeDocument/2006/relationships" xmlns:p="http://schemas.openxmlformats.org/presentationml/2006/main">
+  <p:cSld>
+    <p:bg>
+      <p:bgPr>
+        <a:solidFill>
+          <a:schemeClr val="bg2"/>
+        </a:solidFill>
+        <a:effectLst/>
+      </p:bgPr>
+    </p:bg>
+    <p:spTree>
+      <p:nvGrpSpPr>
+        <p:cNvPr id="1" name=""/>
+        <p:cNvGrpSpPr/>
+        <p:nvPr/>
+      </p:nvGrpSpPr>
+      <p:grpSpPr>
+        <a:xfrm>
+          <a:off x="0" y="0"/>
+          <a:ext cx="0" cy="0"/>
+          <a:chOff x="0" y="0"/>
+          <a:chExt cx="0" cy="0"/>
+        </a:xfrm>
+      </p:grpSpPr>
+      <p:grpSp>
+        <p:nvGrpSpPr>
+          <p:cNvPr id="9" name="Group 8">
+            <a:extLst>
+              <a:ext uri="{FF2B5EF4-FFF2-40B4-BE49-F238E27FC236}">
+                <a16:creationId xmlns:a16="http://schemas.microsoft.com/office/drawing/2014/main" id="{449BC34D-9C23-4D6D-8213-1F471AF85B3F}"/>
+              </a:ext>
+              <a:ext uri="{C183D7F6-B498-43B3-948B-1728B52AA6E4}">
+                <adec:decorative xmlns:adec="http://schemas.microsoft.com/office/drawing/2017/decorative" val="1"/>
+              </a:ext>
+            </a:extLst>
+          </p:cNvPr>
+          <p:cNvGrpSpPr>
+            <a:grpSpLocks noGrp="1" noUngrp="1" noRot="1" noChangeAspect="1" noMove="1" noResize="1"/>
+          </p:cNvGrpSpPr>
+          <p:nvPr>
+            <p:extLst>
+              <p:ext uri="{386F3935-93C4-4BCD-93E2-E3B085C9AB24}">
+                <p16:designElem xmlns:p16="http://schemas.microsoft.com/office/powerpoint/2015/main" val="1"/>
+              </p:ext>
+            </p:extLst>
+          </p:nvPr>
+        </p:nvGrpSpPr>
+        <p:grpSpPr>
+          <a:xfrm>
+            <a:off x="752858" y="744469"/>
+            <a:ext cx="10674117" cy="5349671"/>
+            <a:chOff x="752858" y="744469"/>
+            <a:chExt cx="10674117" cy="5349671"/>
+          </a:xfrm>
+        </p:grpSpPr>
+        <p:sp>
+          <p:nvSpPr>
+            <p:cNvPr id="10" name="Freeform 6">
+              <a:extLst>
+                <a:ext uri="{FF2B5EF4-FFF2-40B4-BE49-F238E27FC236}">
+                  <a16:creationId xmlns:a16="http://schemas.microsoft.com/office/drawing/2014/main" id="{FA0F5D6C-5025-4D7E-82DD-C2C6FDA1E759}"/>
+                </a:ext>
+                <a:ext uri="{C183D7F6-B498-43B3-948B-1728B52AA6E4}">
+                  <adec:decorative xmlns:adec="http://schemas.microsoft.com/office/drawing/2017/decorative" val="1"/>
+                </a:ext>
+              </a:extLst>
+            </p:cNvPr>
+            <p:cNvSpPr/>
+            <p:nvPr>
+              <p:extLst>
+                <p:ext uri="{386F3935-93C4-4BCD-93E2-E3B085C9AB24}">
+                  <p16:designElem xmlns:p16="http://schemas.microsoft.com/office/powerpoint/2015/main" val="1"/>
+                </p:ext>
+              </p:extLst>
+            </p:nvPr>
+          </p:nvSpPr>
+          <p:spPr bwMode="auto">
+            <a:xfrm>
+              <a:off x="8151962" y="1685652"/>
+              <a:ext cx="3275013" cy="4408488"/>
+            </a:xfrm>
+            <a:custGeom>
+              <a:avLst/>
+              <a:gdLst/>
+              <a:ahLst/>
+              <a:cxnLst/>
+              <a:rect l="l" t="t" r="r" b="b"/>
+              <a:pathLst>
+                <a:path w="10000" h="10000">
+                  <a:moveTo>
+                    <a:pt x="8761" y="0"/>
+                  </a:moveTo>
+                  <a:lnTo>
+                    <a:pt x="10000" y="0"/>
+                  </a:lnTo>
+                  <a:lnTo>
+                    <a:pt x="10000" y="10000"/>
+                  </a:lnTo>
+                  <a:lnTo>
+                    <a:pt x="0" y="10000"/>
+                  </a:lnTo>
+                  <a:lnTo>
+                    <a:pt x="0" y="9126"/>
+                  </a:lnTo>
+                  <a:lnTo>
+                    <a:pt x="8761" y="9127"/>
+                  </a:lnTo>
+                  <a:lnTo>
+                    <a:pt x="8761" y="0"/>
+                  </a:lnTo>
+                  <a:close/>
+                </a:path>
+              </a:pathLst>
+            </a:custGeom>
+            <a:solidFill>
+              <a:schemeClr val="tx2"/>
+            </a:solidFill>
+            <a:ln w="0">
+              <a:noFill/>
+              <a:prstDash val="solid"/>
+              <a:round/>
+              <a:headEnd/>
+              <a:tailEnd/>
+            </a:ln>
+          </p:spPr>
+        </p:sp>
+        <p:sp>
+          <p:nvSpPr>
+            <p:cNvPr id="11" name="Freeform 6">
+              <a:extLst>
+                <a:ext uri="{FF2B5EF4-FFF2-40B4-BE49-F238E27FC236}">
+                  <a16:creationId xmlns:a16="http://schemas.microsoft.com/office/drawing/2014/main" id="{E2AF2C17-4AB4-4402-B84B-129EF95D161C}"/>
+                </a:ext>
+                <a:ext uri="{C183D7F6-B498-43B3-948B-1728B52AA6E4}">
+                  <adec:decorative xmlns:adec="http://schemas.microsoft.com/office/drawing/2017/decorative" val="1"/>
+                </a:ext>
+              </a:extLst>
+            </p:cNvPr>
+            <p:cNvSpPr/>
+            <p:nvPr>
+              <p:extLst>
+                <p:ext uri="{386F3935-93C4-4BCD-93E2-E3B085C9AB24}">
+                  <p16:designElem xmlns:p16="http://schemas.microsoft.com/office/powerpoint/2015/main" val="1"/>
+                </p:ext>
+              </p:extLst>
+            </p:nvPr>
+          </p:nvSpPr>
+          <p:spPr bwMode="auto">
+            <a:xfrm flipH="1" flipV="1">
+              <a:off x="752858" y="744469"/>
+              <a:ext cx="3275668" cy="4408488"/>
+            </a:xfrm>
+            <a:custGeom>
+              <a:avLst/>
+              <a:gdLst/>
+              <a:ahLst/>
+              <a:cxnLst/>
+              <a:rect l="l" t="t" r="r" b="b"/>
+              <a:pathLst>
+                <a:path w="10002" h="10000">
+                  <a:moveTo>
+                    <a:pt x="8763" y="0"/>
+                  </a:moveTo>
+                  <a:lnTo>
+                    <a:pt x="10002" y="0"/>
+                  </a:lnTo>
+                  <a:lnTo>
+                    <a:pt x="10002" y="10000"/>
+                  </a:lnTo>
+                  <a:lnTo>
+                    <a:pt x="2" y="10000"/>
+                  </a:lnTo>
+                  <a:cubicBezTo>
+                    <a:pt x="-2" y="9698"/>
+                    <a:pt x="4" y="9427"/>
+                    <a:pt x="0" y="9125"/>
+                  </a:cubicBezTo>
+                  <a:lnTo>
+                    <a:pt x="8763" y="9128"/>
+                  </a:lnTo>
+                  <a:lnTo>
+                    <a:pt x="8763" y="0"/>
+                  </a:lnTo>
+                  <a:close/>
+                </a:path>
+              </a:pathLst>
+            </a:custGeom>
+            <a:solidFill>
+              <a:schemeClr val="tx2"/>
+            </a:solidFill>
+            <a:ln w="0">
+              <a:noFill/>
+              <a:prstDash val="solid"/>
+              <a:round/>
+              <a:headEnd/>
+              <a:tailEnd/>
+            </a:ln>
+          </p:spPr>
+        </p:sp>
+      </p:grpSp>
+      <p:sp useBgFill="1">
+        <p:nvSpPr>
+          <p:cNvPr id="13" name="Rectangle 12">
+            <a:extLst>
+              <a:ext uri="{FF2B5EF4-FFF2-40B4-BE49-F238E27FC236}">
+                <a16:creationId xmlns:a16="http://schemas.microsoft.com/office/drawing/2014/main" id="{CB73C468-D875-4A8E-A540-E43BF8232DD4}"/>
+              </a:ext>
+              <a:ext uri="{C183D7F6-B498-43B3-948B-1728B52AA6E4}">
+                <adec:decorative xmlns:adec="http://schemas.microsoft.com/office/drawing/2017/decorative" val="1"/>
+              </a:ext>
+            </a:extLst>
+          </p:cNvPr>
+          <p:cNvSpPr>
+            <a:spLocks noGrp="1" noRot="1" noChangeAspect="1" noMove="1" noResize="1" noEditPoints="1" noAdjustHandles="1" noChangeArrowheads="1" noChangeShapeType="1" noTextEdit="1"/>
+          </p:cNvSpPr>
+          <p:nvPr>
+            <p:extLst>
+              <p:ext uri="{386F3935-93C4-4BCD-93E2-E3B085C9AB24}">
+                <p16:designElem xmlns:p16="http://schemas.microsoft.com/office/powerpoint/2015/main" val="1"/>
+              </p:ext>
+            </p:extLst>
+          </p:nvPr>
+        </p:nvSpPr>
+        <p:spPr>
+          <a:xfrm>
+            <a:off x="0" y="0"/>
+            <a:ext cx="12192000" cy="6858000"/>
+          </a:xfrm>
+          <a:prstGeom prst="rect">
+            <a:avLst/>
+          </a:prstGeom>
+          <a:ln>
+            <a:noFill/>
+          </a:ln>
+        </p:spPr>
+        <p:style>
+          <a:lnRef idx="2">
+            <a:schemeClr val="accent1">
+              <a:shade val="50000"/>
+            </a:schemeClr>
+          </a:lnRef>
+          <a:fillRef idx="1001">
+            <a:schemeClr val="lt2"/>
+          </a:fillRef>
+          <a:effectRef idx="0">
+            <a:schemeClr val="accent1"/>
+          </a:effectRef>
+          <a:fontRef idx="minor">
+            <a:schemeClr val="lt1"/>
+          </a:fontRef>
+        </p:style>
+        <p:txBody>
+          <a:bodyPr rtlCol="0" anchor="ctr"/>
+          <a:lstStyle/>
+          <a:p>
+            <a:pPr algn="ctr"/>
+            <a:endParaRPr lang="en-US"/>
+          </a:p>
+        </p:txBody>
+      </p:sp>
+      <p:sp>
+        <p:nvSpPr>
+          <p:cNvPr id="2" name="Title 1">
+            <a:extLst>
+              <a:ext uri="{FF2B5EF4-FFF2-40B4-BE49-F238E27FC236}">
+                <a16:creationId xmlns:a16="http://schemas.microsoft.com/office/drawing/2014/main" id="{539BC57A-5C8B-4858-B0F9-FB5D8E4EA0DD}"/>
+              </a:ext>
+            </a:extLst>
+          </p:cNvPr>
+          <p:cNvSpPr>
+            <a:spLocks noGrp="1"/>
+          </p:cNvSpPr>
+          <p:nvPr>
+            <p:ph type="title"/>
+          </p:nvPr>
+        </p:nvSpPr>
+        <p:spPr>
+          <a:xfrm>
+            <a:off x="6711885" y="634028"/>
+            <a:ext cx="4798243" cy="3732835"/>
+          </a:xfrm>
+        </p:spPr>
+        <p:txBody>
+          <a:bodyPr vert="horz" lIns="91440" tIns="45720" rIns="91440" bIns="45720" rtlCol="0" anchor="b">
+            <a:normAutofit/>
+          </a:bodyPr>
+          <a:lstStyle/>
+          <a:p>
+            <a:pPr algn="ctr"/>
+            <a:r>
+              <a:rPr lang="en-US" sz="7200" cap="all" dirty="0"/>
+              <a:t>Existing </a:t>
+            </a:r>
+            <a:r>
+              <a:rPr lang="en-US" sz="7200" cap="all" dirty="0" err="1"/>
+              <a:t>api</a:t>
+            </a:r>
+            <a:r>
+              <a:rPr lang="en-US" sz="7200" cap="all" dirty="0"/>
+              <a:t> -&gt; </a:t>
+            </a:r>
+            <a:r>
+              <a:rPr lang="en-US" sz="7200" cap="all" dirty="0" err="1"/>
+              <a:t>graphql</a:t>
+            </a:r>
+            <a:endParaRPr lang="en-US" sz="7200" cap="all" dirty="0"/>
+          </a:p>
+        </p:txBody>
+      </p:sp>
+      <p:sp>
+        <p:nvSpPr>
+          <p:cNvPr id="15" name="Freeform 6">
+            <a:extLst>
+              <a:ext uri="{FF2B5EF4-FFF2-40B4-BE49-F238E27FC236}">
+                <a16:creationId xmlns:a16="http://schemas.microsoft.com/office/drawing/2014/main" id="{B4734F2F-19FC-4D35-9BDE-5CEAD57D9B55}"/>
+              </a:ext>
+              <a:ext uri="{C183D7F6-B498-43B3-948B-1728B52AA6E4}">
+                <adec:decorative xmlns:adec="http://schemas.microsoft.com/office/drawing/2017/decorative" val="1"/>
+              </a:ext>
+            </a:extLst>
+          </p:cNvPr>
+          <p:cNvSpPr>
+            <a:spLocks noGrp="1" noRot="1" noChangeAspect="1" noMove="1" noResize="1" noEditPoints="1" noAdjustHandles="1" noChangeArrowheads="1" noChangeShapeType="1" noTextEdit="1"/>
+          </p:cNvSpPr>
+          <p:nvPr>
+            <p:extLst>
+              <p:ext uri="{386F3935-93C4-4BCD-93E2-E3B085C9AB24}">
+                <p16:designElem xmlns:p16="http://schemas.microsoft.com/office/powerpoint/2015/main" val="1"/>
+              </p:ext>
+            </p:extLst>
+          </p:nvPr>
+        </p:nvSpPr>
+        <p:spPr bwMode="auto">
+          <a:xfrm>
+            <a:off x="3027878" y="2016617"/>
+            <a:ext cx="3275013" cy="4408488"/>
+          </a:xfrm>
+          <a:custGeom>
+            <a:avLst/>
+            <a:gdLst/>
+            <a:ahLst/>
+            <a:cxnLst/>
+            <a:rect l="l" t="t" r="r" b="b"/>
+            <a:pathLst>
+              <a:path w="10000" h="10000">
+                <a:moveTo>
+                  <a:pt x="8761" y="0"/>
+                </a:moveTo>
+                <a:lnTo>
+                  <a:pt x="10000" y="0"/>
+                </a:lnTo>
+                <a:lnTo>
+                  <a:pt x="10000" y="10000"/>
+                </a:lnTo>
+                <a:lnTo>
+                  <a:pt x="0" y="10000"/>
+                </a:lnTo>
+                <a:lnTo>
+                  <a:pt x="0" y="9126"/>
+                </a:lnTo>
+                <a:lnTo>
+                  <a:pt x="8761" y="9127"/>
+                </a:lnTo>
+                <a:lnTo>
+                  <a:pt x="8761" y="0"/>
+                </a:lnTo>
+                <a:close/>
+              </a:path>
+            </a:pathLst>
+          </a:custGeom>
+          <a:solidFill>
+            <a:schemeClr val="tx2"/>
+          </a:solidFill>
+          <a:ln w="0">
+            <a:noFill/>
+            <a:prstDash val="solid"/>
+            <a:round/>
+            <a:headEnd/>
+            <a:tailEnd/>
+          </a:ln>
+        </p:spPr>
+      </p:sp>
+      <p:sp>
+        <p:nvSpPr>
+          <p:cNvPr id="17" name="Freeform 6">
+            <a:extLst>
+              <a:ext uri="{FF2B5EF4-FFF2-40B4-BE49-F238E27FC236}">
+                <a16:creationId xmlns:a16="http://schemas.microsoft.com/office/drawing/2014/main" id="{D97A8A26-FD96-4968-A34A-727382AC7E46}"/>
+              </a:ext>
+              <a:ext uri="{C183D7F6-B498-43B3-948B-1728B52AA6E4}">
+                <adec:decorative xmlns:adec="http://schemas.microsoft.com/office/drawing/2017/decorative" val="1"/>
+              </a:ext>
+            </a:extLst>
+          </p:cNvPr>
+          <p:cNvSpPr>
+            <a:spLocks noGrp="1" noRot="1" noChangeAspect="1" noMove="1" noResize="1" noEditPoints="1" noAdjustHandles="1" noChangeArrowheads="1" noChangeShapeType="1" noTextEdit="1"/>
+          </p:cNvSpPr>
+          <p:nvPr>
+            <p:extLst>
+              <p:ext uri="{386F3935-93C4-4BCD-93E2-E3B085C9AB24}">
+                <p16:designElem xmlns:p16="http://schemas.microsoft.com/office/powerpoint/2015/main" val="1"/>
+              </p:ext>
+            </p:extLst>
+          </p:nvPr>
+        </p:nvSpPr>
+        <p:spPr bwMode="auto">
+          <a:xfrm flipH="1" flipV="1">
+            <a:off x="649163" y="634028"/>
+            <a:ext cx="3275668" cy="4408488"/>
+          </a:xfrm>
+          <a:custGeom>
+            <a:avLst/>
+            <a:gdLst/>
+            <a:ahLst/>
+            <a:cxnLst/>
+            <a:rect l="l" t="t" r="r" b="b"/>
+            <a:pathLst>
+              <a:path w="10002" h="10000">
+                <a:moveTo>
+                  <a:pt x="8763" y="0"/>
+                </a:moveTo>
+                <a:lnTo>
+                  <a:pt x="10002" y="0"/>
+                </a:lnTo>
+                <a:lnTo>
+                  <a:pt x="10002" y="10000"/>
+                </a:lnTo>
+                <a:lnTo>
+                  <a:pt x="2" y="10000"/>
+                </a:lnTo>
+                <a:cubicBezTo>
+                  <a:pt x="-2" y="9698"/>
+                  <a:pt x="4" y="9427"/>
+                  <a:pt x="0" y="9125"/>
+                </a:cubicBezTo>
+                <a:lnTo>
+                  <a:pt x="8763" y="9128"/>
+                </a:lnTo>
+                <a:lnTo>
+                  <a:pt x="8763" y="0"/>
+                </a:lnTo>
+                <a:close/>
+              </a:path>
+            </a:pathLst>
+          </a:custGeom>
+          <a:solidFill>
+            <a:schemeClr val="tx2"/>
+          </a:solidFill>
+          <a:ln w="0">
+            <a:noFill/>
+            <a:prstDash val="solid"/>
+            <a:round/>
+            <a:headEnd/>
+            <a:tailEnd/>
+          </a:ln>
+        </p:spPr>
+      </p:sp>
+      <p:pic>
+        <p:nvPicPr>
+          <p:cNvPr id="4" name="Picture 6" descr="Kuvahaun tulos haulle graphql">
+            <a:extLst>
+              <a:ext uri="{FF2B5EF4-FFF2-40B4-BE49-F238E27FC236}">
+                <a16:creationId xmlns:a16="http://schemas.microsoft.com/office/drawing/2014/main" id="{FCE4AE31-97D2-4A01-A513-F21327D496DD}"/>
+              </a:ext>
+            </a:extLst>
+          </p:cNvPr>
+          <p:cNvPicPr>
+            <a:picLocks noGrp="1" noChangeAspect="1" noChangeArrowheads="1"/>
+          </p:cNvPicPr>
+          <p:nvPr>
+            <p:ph idx="1"/>
+          </p:nvPr>
+        </p:nvPicPr>
+        <p:blipFill>
+          <a:blip r:embed="rId2">
+            <a:extLst>
+              <a:ext uri="{28A0092B-C50C-407E-A947-70E740481C1C}">
+                <a14:useLocalDpi xmlns:a14="http://schemas.microsoft.com/office/drawing/2010/main" val="0"/>
+              </a:ext>
+            </a:extLst>
+          </a:blip>
+          <a:stretch>
+            <a:fillRect/>
+          </a:stretch>
+        </p:blipFill>
+        <p:spPr bwMode="auto">
+          <a:xfrm>
+            <a:off x="1371403" y="1425173"/>
+            <a:ext cx="4207669" cy="4207669"/>
+          </a:xfrm>
+          <a:prstGeom prst="rect">
+            <a:avLst/>
+          </a:prstGeom>
+          <a:noFill/>
+          <a:extLst>
+            <a:ext uri="{909E8E84-426E-40DD-AFC4-6F175D3DCCD1}">
+              <a14:hiddenFill xmlns:a14="http://schemas.microsoft.com/office/drawing/2010/main">
+                <a:solidFill>
+                  <a:srgbClr val="FFFFFF"/>
+                </a:solidFill>
+              </a14:hiddenFill>
+            </a:ext>
+          </a:extLst>
+        </p:spPr>
+      </p:pic>
+    </p:spTree>
+    <p:extLst>
+      <p:ext uri="{BB962C8B-B14F-4D97-AF65-F5344CB8AC3E}">
+        <p14:creationId xmlns:p14="http://schemas.microsoft.com/office/powerpoint/2010/main" val="3357499740"/>
+      </p:ext>
+    </p:extLst>
+  </p:cSld>
+  <p:clrMapOvr>
+    <a:masterClrMapping/>
+  </p:clrMapOvr>
+</p:sld>
+</file>
+
+<file path=ppt/slides/slide35.xml><?xml version="1.0" encoding="utf-8"?>
+<p:sld xmlns:a="http://schemas.openxmlformats.org/drawingml/2006/main" xmlns:r="http://schemas.openxmlformats.org/officeDocument/2006/relationships" xmlns:p="http://schemas.openxmlformats.org/presentationml/2006/main">
+  <p:cSld>
+    <p:spTree>
+      <p:nvGrpSpPr>
+        <p:cNvPr id="1" name=""/>
+        <p:cNvGrpSpPr/>
+        <p:nvPr/>
+      </p:nvGrpSpPr>
+      <p:grpSpPr>
+        <a:xfrm>
+          <a:off x="0" y="0"/>
+          <a:ext cx="0" cy="0"/>
+          <a:chOff x="0" y="0"/>
+          <a:chExt cx="0" cy="0"/>
+        </a:xfrm>
+      </p:grpSpPr>
+      <p:sp>
+        <p:nvSpPr>
+          <p:cNvPr id="2" name="Title 1">
+            <a:extLst>
+              <a:ext uri="{FF2B5EF4-FFF2-40B4-BE49-F238E27FC236}">
+                <a16:creationId xmlns:a16="http://schemas.microsoft.com/office/drawing/2014/main" id="{FC7E3088-DB9F-422E-A6DB-E7ABF5E40E7F}"/>
+              </a:ext>
+            </a:extLst>
+          </p:cNvPr>
+          <p:cNvSpPr>
+            <a:spLocks noGrp="1"/>
+          </p:cNvSpPr>
+          <p:nvPr>
+            <p:ph type="title"/>
+          </p:nvPr>
+        </p:nvSpPr>
+        <p:spPr/>
+        <p:txBody>
+          <a:bodyPr/>
+          <a:lstStyle/>
+          <a:p>
+            <a:r>
+              <a:rPr lang="en-US" dirty="0"/>
+              <a:t>Existing API -&gt; </a:t>
+            </a:r>
+            <a:r>
+              <a:rPr lang="en-US" dirty="0" err="1"/>
+              <a:t>GraphQL</a:t>
+            </a:r>
+            <a:endParaRPr lang="en-FI" dirty="0"/>
+          </a:p>
+        </p:txBody>
+      </p:sp>
+      <p:sp>
+        <p:nvSpPr>
+          <p:cNvPr id="3" name="Content Placeholder 2">
+            <a:extLst>
+              <a:ext uri="{FF2B5EF4-FFF2-40B4-BE49-F238E27FC236}">
+                <a16:creationId xmlns:a16="http://schemas.microsoft.com/office/drawing/2014/main" id="{5BFCAF94-27A7-48D8-8E5D-FE154A02AEF8}"/>
+              </a:ext>
+            </a:extLst>
+          </p:cNvPr>
+          <p:cNvSpPr>
+            <a:spLocks noGrp="1"/>
+          </p:cNvSpPr>
+          <p:nvPr>
+            <p:ph idx="1"/>
+          </p:nvPr>
+        </p:nvSpPr>
+        <p:spPr/>
+        <p:txBody>
+          <a:bodyPr>
+            <a:normAutofit/>
+          </a:bodyPr>
+          <a:lstStyle/>
+          <a:p>
+            <a:r>
+              <a:rPr lang="en-US" dirty="0"/>
+              <a:t>Less effort for a small service, but …</a:t>
+            </a:r>
+          </a:p>
+          <a:p>
+            <a:r>
+              <a:rPr lang="en-US" dirty="0"/>
+              <a:t>Weighing Risks and Benefits</a:t>
+            </a:r>
+          </a:p>
+          <a:p>
+            <a:r>
+              <a:rPr lang="en-US" dirty="0"/>
+              <a:t>Grey area with new technology</a:t>
+            </a:r>
+          </a:p>
+        </p:txBody>
+      </p:sp>
+      <p:pic>
+        <p:nvPicPr>
+          <p:cNvPr id="4" name="Picture 6" descr="Kuvahaun tulos haulle graphql">
+            <a:extLst>
+              <a:ext uri="{FF2B5EF4-FFF2-40B4-BE49-F238E27FC236}">
+                <a16:creationId xmlns:a16="http://schemas.microsoft.com/office/drawing/2014/main" id="{6AF69095-B4A7-49C4-AAAB-FF43CF1C88CB}"/>
+              </a:ext>
+            </a:extLst>
+          </p:cNvPr>
+          <p:cNvPicPr>
+            <a:picLocks noChangeAspect="1" noChangeArrowheads="1"/>
+          </p:cNvPicPr>
+          <p:nvPr/>
+        </p:nvPicPr>
+        <p:blipFill>
+          <a:blip r:embed="rId2">
+            <a:extLst>
+              <a:ext uri="{28A0092B-C50C-407E-A947-70E740481C1C}">
+                <a14:useLocalDpi xmlns:a14="http://schemas.microsoft.com/office/drawing/2010/main" val="0"/>
+              </a:ext>
+            </a:extLst>
+          </a:blip>
+          <a:srcRect/>
+          <a:stretch>
+            <a:fillRect/>
+          </a:stretch>
+        </p:blipFill>
+        <p:spPr bwMode="auto">
+          <a:xfrm>
+            <a:off x="10972800" y="685800"/>
+            <a:ext cx="951722" cy="951722"/>
+          </a:xfrm>
+          <a:prstGeom prst="rect">
+            <a:avLst/>
+          </a:prstGeom>
+          <a:noFill/>
+          <a:extLst>
+            <a:ext uri="{909E8E84-426E-40DD-AFC4-6F175D3DCCD1}">
+              <a14:hiddenFill xmlns:a14="http://schemas.microsoft.com/office/drawing/2010/main">
+                <a:solidFill>
+                  <a:srgbClr val="FFFFFF"/>
+                </a:solidFill>
+              </a14:hiddenFill>
+            </a:ext>
+          </a:extLst>
+        </p:spPr>
+      </p:pic>
+    </p:spTree>
+    <p:extLst>
+      <p:ext uri="{BB962C8B-B14F-4D97-AF65-F5344CB8AC3E}">
+        <p14:creationId xmlns:p14="http://schemas.microsoft.com/office/powerpoint/2010/main" val="4061274779"/>
+      </p:ext>
+    </p:extLst>
+  </p:cSld>
+  <p:clrMapOvr>
+    <a:masterClrMapping/>
+  </p:clrMapOvr>
+</p:sld>
+</file>
+
+<file path=ppt/slides/slide36.xml><?xml version="1.0" encoding="utf-8"?>
+<p:sld xmlns:a="http://schemas.openxmlformats.org/drawingml/2006/main" xmlns:r="http://schemas.openxmlformats.org/officeDocument/2006/relationships" xmlns:p="http://schemas.openxmlformats.org/presentationml/2006/main">
+  <p:cSld>
+    <p:bg>
+      <p:bgPr>
+        <a:solidFill>
+          <a:schemeClr val="bg2"/>
+        </a:solidFill>
+        <a:effectLst/>
+      </p:bgPr>
+    </p:bg>
+    <p:spTree>
+      <p:nvGrpSpPr>
+        <p:cNvPr id="1" name=""/>
+        <p:cNvGrpSpPr/>
+        <p:nvPr/>
+      </p:nvGrpSpPr>
+      <p:grpSpPr>
+        <a:xfrm>
+          <a:off x="0" y="0"/>
+          <a:ext cx="0" cy="0"/>
+          <a:chOff x="0" y="0"/>
+          <a:chExt cx="0" cy="0"/>
+        </a:xfrm>
+      </p:grpSpPr>
+      <p:grpSp>
+        <p:nvGrpSpPr>
+          <p:cNvPr id="9" name="Group 8">
+            <a:extLst>
+              <a:ext uri="{FF2B5EF4-FFF2-40B4-BE49-F238E27FC236}">
+                <a16:creationId xmlns:a16="http://schemas.microsoft.com/office/drawing/2014/main" id="{449BC34D-9C23-4D6D-8213-1F471AF85B3F}"/>
+              </a:ext>
+              <a:ext uri="{C183D7F6-B498-43B3-948B-1728B52AA6E4}">
+                <adec:decorative xmlns:adec="http://schemas.microsoft.com/office/drawing/2017/decorative" val="1"/>
+              </a:ext>
+            </a:extLst>
+          </p:cNvPr>
+          <p:cNvGrpSpPr>
+            <a:grpSpLocks noGrp="1" noUngrp="1" noRot="1" noChangeAspect="1" noMove="1" noResize="1"/>
+          </p:cNvGrpSpPr>
+          <p:nvPr>
+            <p:extLst>
+              <p:ext uri="{386F3935-93C4-4BCD-93E2-E3B085C9AB24}">
+                <p16:designElem xmlns:p16="http://schemas.microsoft.com/office/powerpoint/2015/main" val="1"/>
+              </p:ext>
+            </p:extLst>
+          </p:nvPr>
+        </p:nvGrpSpPr>
+        <p:grpSpPr>
+          <a:xfrm>
+            <a:off x="752858" y="744469"/>
+            <a:ext cx="10674117" cy="5349671"/>
+            <a:chOff x="752858" y="744469"/>
+            <a:chExt cx="10674117" cy="5349671"/>
+          </a:xfrm>
+        </p:grpSpPr>
+        <p:sp>
+          <p:nvSpPr>
+            <p:cNvPr id="10" name="Freeform 6">
+              <a:extLst>
+                <a:ext uri="{FF2B5EF4-FFF2-40B4-BE49-F238E27FC236}">
+                  <a16:creationId xmlns:a16="http://schemas.microsoft.com/office/drawing/2014/main" id="{FA0F5D6C-5025-4D7E-82DD-C2C6FDA1E759}"/>
+                </a:ext>
+                <a:ext uri="{C183D7F6-B498-43B3-948B-1728B52AA6E4}">
+                  <adec:decorative xmlns:adec="http://schemas.microsoft.com/office/drawing/2017/decorative" val="1"/>
+                </a:ext>
+              </a:extLst>
+            </p:cNvPr>
+            <p:cNvSpPr/>
+            <p:nvPr>
+              <p:extLst>
+                <p:ext uri="{386F3935-93C4-4BCD-93E2-E3B085C9AB24}">
+                  <p16:designElem xmlns:p16="http://schemas.microsoft.com/office/powerpoint/2015/main" val="1"/>
+                </p:ext>
+              </p:extLst>
+            </p:nvPr>
+          </p:nvSpPr>
+          <p:spPr bwMode="auto">
+            <a:xfrm>
+              <a:off x="8151962" y="1685652"/>
+              <a:ext cx="3275013" cy="4408488"/>
+            </a:xfrm>
+            <a:custGeom>
+              <a:avLst/>
+              <a:gdLst/>
+              <a:ahLst/>
+              <a:cxnLst/>
+              <a:rect l="l" t="t" r="r" b="b"/>
+              <a:pathLst>
+                <a:path w="10000" h="10000">
+                  <a:moveTo>
+                    <a:pt x="8761" y="0"/>
+                  </a:moveTo>
+                  <a:lnTo>
+                    <a:pt x="10000" y="0"/>
+                  </a:lnTo>
+                  <a:lnTo>
+                    <a:pt x="10000" y="10000"/>
+                  </a:lnTo>
+                  <a:lnTo>
+                    <a:pt x="0" y="10000"/>
+                  </a:lnTo>
+                  <a:lnTo>
+                    <a:pt x="0" y="9126"/>
+                  </a:lnTo>
+                  <a:lnTo>
+                    <a:pt x="8761" y="9127"/>
+                  </a:lnTo>
+                  <a:lnTo>
+                    <a:pt x="8761" y="0"/>
+                  </a:lnTo>
+                  <a:close/>
+                </a:path>
+              </a:pathLst>
+            </a:custGeom>
+            <a:solidFill>
+              <a:schemeClr val="tx2"/>
+            </a:solidFill>
+            <a:ln w="0">
+              <a:noFill/>
+              <a:prstDash val="solid"/>
+              <a:round/>
+              <a:headEnd/>
+              <a:tailEnd/>
+            </a:ln>
+          </p:spPr>
+        </p:sp>
+        <p:sp>
+          <p:nvSpPr>
+            <p:cNvPr id="11" name="Freeform 6">
+              <a:extLst>
+                <a:ext uri="{FF2B5EF4-FFF2-40B4-BE49-F238E27FC236}">
+                  <a16:creationId xmlns:a16="http://schemas.microsoft.com/office/drawing/2014/main" id="{E2AF2C17-4AB4-4402-B84B-129EF95D161C}"/>
+                </a:ext>
+                <a:ext uri="{C183D7F6-B498-43B3-948B-1728B52AA6E4}">
+                  <adec:decorative xmlns:adec="http://schemas.microsoft.com/office/drawing/2017/decorative" val="1"/>
+                </a:ext>
+              </a:extLst>
+            </p:cNvPr>
+            <p:cNvSpPr/>
+            <p:nvPr>
+              <p:extLst>
+                <p:ext uri="{386F3935-93C4-4BCD-93E2-E3B085C9AB24}">
+                  <p16:designElem xmlns:p16="http://schemas.microsoft.com/office/powerpoint/2015/main" val="1"/>
+                </p:ext>
+              </p:extLst>
+            </p:nvPr>
+          </p:nvSpPr>
+          <p:spPr bwMode="auto">
+            <a:xfrm flipH="1" flipV="1">
+              <a:off x="752858" y="744469"/>
+              <a:ext cx="3275668" cy="4408488"/>
+            </a:xfrm>
+            <a:custGeom>
+              <a:avLst/>
+              <a:gdLst/>
+              <a:ahLst/>
+              <a:cxnLst/>
+              <a:rect l="l" t="t" r="r" b="b"/>
+              <a:pathLst>
+                <a:path w="10002" h="10000">
+                  <a:moveTo>
+                    <a:pt x="8763" y="0"/>
+                  </a:moveTo>
+                  <a:lnTo>
+                    <a:pt x="10002" y="0"/>
+                  </a:lnTo>
+                  <a:lnTo>
+                    <a:pt x="10002" y="10000"/>
+                  </a:lnTo>
+                  <a:lnTo>
+                    <a:pt x="2" y="10000"/>
+                  </a:lnTo>
+                  <a:cubicBezTo>
+                    <a:pt x="-2" y="9698"/>
+                    <a:pt x="4" y="9427"/>
+                    <a:pt x="0" y="9125"/>
+                  </a:cubicBezTo>
+                  <a:lnTo>
+                    <a:pt x="8763" y="9128"/>
+                  </a:lnTo>
+                  <a:lnTo>
+                    <a:pt x="8763" y="0"/>
+                  </a:lnTo>
+                  <a:close/>
+                </a:path>
+              </a:pathLst>
+            </a:custGeom>
+            <a:solidFill>
+              <a:schemeClr val="tx2"/>
+            </a:solidFill>
+            <a:ln w="0">
+              <a:noFill/>
+              <a:prstDash val="solid"/>
+              <a:round/>
+              <a:headEnd/>
+              <a:tailEnd/>
+            </a:ln>
+          </p:spPr>
+        </p:sp>
+      </p:grpSp>
+      <p:sp useBgFill="1">
+        <p:nvSpPr>
+          <p:cNvPr id="13" name="Rectangle 12">
+            <a:extLst>
+              <a:ext uri="{FF2B5EF4-FFF2-40B4-BE49-F238E27FC236}">
+                <a16:creationId xmlns:a16="http://schemas.microsoft.com/office/drawing/2014/main" id="{CB73C468-D875-4A8E-A540-E43BF8232DD4}"/>
+              </a:ext>
+              <a:ext uri="{C183D7F6-B498-43B3-948B-1728B52AA6E4}">
+                <adec:decorative xmlns:adec="http://schemas.microsoft.com/office/drawing/2017/decorative" val="1"/>
+              </a:ext>
+            </a:extLst>
+          </p:cNvPr>
+          <p:cNvSpPr>
+            <a:spLocks noGrp="1" noRot="1" noChangeAspect="1" noMove="1" noResize="1" noEditPoints="1" noAdjustHandles="1" noChangeArrowheads="1" noChangeShapeType="1" noTextEdit="1"/>
+          </p:cNvSpPr>
+          <p:nvPr>
+            <p:extLst>
+              <p:ext uri="{386F3935-93C4-4BCD-93E2-E3B085C9AB24}">
+                <p16:designElem xmlns:p16="http://schemas.microsoft.com/office/powerpoint/2015/main" val="1"/>
+              </p:ext>
+            </p:extLst>
+          </p:nvPr>
+        </p:nvSpPr>
+        <p:spPr>
+          <a:xfrm>
+            <a:off x="0" y="0"/>
+            <a:ext cx="12192000" cy="6858000"/>
+          </a:xfrm>
+          <a:prstGeom prst="rect">
+            <a:avLst/>
+          </a:prstGeom>
+          <a:ln>
+            <a:noFill/>
+          </a:ln>
+        </p:spPr>
+        <p:style>
+          <a:lnRef idx="2">
+            <a:schemeClr val="accent1">
+              <a:shade val="50000"/>
+            </a:schemeClr>
+          </a:lnRef>
+          <a:fillRef idx="1001">
+            <a:schemeClr val="lt2"/>
+          </a:fillRef>
+          <a:effectRef idx="0">
+            <a:schemeClr val="accent1"/>
+          </a:effectRef>
+          <a:fontRef idx="minor">
+            <a:schemeClr val="lt1"/>
+          </a:fontRef>
+        </p:style>
+        <p:txBody>
+          <a:bodyPr rtlCol="0" anchor="ctr"/>
+          <a:lstStyle/>
+          <a:p>
+            <a:pPr algn="ctr"/>
+            <a:endParaRPr lang="en-US"/>
+          </a:p>
+        </p:txBody>
+      </p:sp>
+      <p:sp>
+        <p:nvSpPr>
+          <p:cNvPr id="2" name="Title 1">
+            <a:extLst>
+              <a:ext uri="{FF2B5EF4-FFF2-40B4-BE49-F238E27FC236}">
+                <a16:creationId xmlns:a16="http://schemas.microsoft.com/office/drawing/2014/main" id="{539BC57A-5C8B-4858-B0F9-FB5D8E4EA0DD}"/>
+              </a:ext>
+            </a:extLst>
+          </p:cNvPr>
+          <p:cNvSpPr>
+            <a:spLocks noGrp="1"/>
+          </p:cNvSpPr>
+          <p:nvPr>
+            <p:ph type="title"/>
+          </p:nvPr>
+        </p:nvSpPr>
+        <p:spPr>
+          <a:xfrm>
+            <a:off x="6711885" y="634028"/>
+            <a:ext cx="4798243" cy="3732835"/>
+          </a:xfrm>
+        </p:spPr>
+        <p:txBody>
+          <a:bodyPr vert="horz" lIns="91440" tIns="45720" rIns="91440" bIns="45720" rtlCol="0" anchor="b">
+            <a:normAutofit/>
+          </a:bodyPr>
+          <a:lstStyle/>
+          <a:p>
+            <a:pPr algn="ctr"/>
+            <a:r>
+              <a:rPr lang="en-US" sz="7200" cap="all" dirty="0"/>
+              <a:t>Summary</a:t>
+            </a:r>
+          </a:p>
+        </p:txBody>
+      </p:sp>
+      <p:sp>
+        <p:nvSpPr>
+          <p:cNvPr id="15" name="Freeform 6">
+            <a:extLst>
+              <a:ext uri="{FF2B5EF4-FFF2-40B4-BE49-F238E27FC236}">
+                <a16:creationId xmlns:a16="http://schemas.microsoft.com/office/drawing/2014/main" id="{B4734F2F-19FC-4D35-9BDE-5CEAD57D9B55}"/>
+              </a:ext>
+              <a:ext uri="{C183D7F6-B498-43B3-948B-1728B52AA6E4}">
+                <adec:decorative xmlns:adec="http://schemas.microsoft.com/office/drawing/2017/decorative" val="1"/>
+              </a:ext>
+            </a:extLst>
+          </p:cNvPr>
+          <p:cNvSpPr>
+            <a:spLocks noGrp="1" noRot="1" noChangeAspect="1" noMove="1" noResize="1" noEditPoints="1" noAdjustHandles="1" noChangeArrowheads="1" noChangeShapeType="1" noTextEdit="1"/>
+          </p:cNvSpPr>
+          <p:nvPr>
+            <p:extLst>
+              <p:ext uri="{386F3935-93C4-4BCD-93E2-E3B085C9AB24}">
+                <p16:designElem xmlns:p16="http://schemas.microsoft.com/office/powerpoint/2015/main" val="1"/>
+              </p:ext>
+            </p:extLst>
+          </p:nvPr>
+        </p:nvSpPr>
+        <p:spPr bwMode="auto">
+          <a:xfrm>
+            <a:off x="3027878" y="2016617"/>
+            <a:ext cx="3275013" cy="4408488"/>
+          </a:xfrm>
+          <a:custGeom>
+            <a:avLst/>
+            <a:gdLst/>
+            <a:ahLst/>
+            <a:cxnLst/>
+            <a:rect l="l" t="t" r="r" b="b"/>
+            <a:pathLst>
+              <a:path w="10000" h="10000">
+                <a:moveTo>
+                  <a:pt x="8761" y="0"/>
+                </a:moveTo>
+                <a:lnTo>
+                  <a:pt x="10000" y="0"/>
+                </a:lnTo>
+                <a:lnTo>
+                  <a:pt x="10000" y="10000"/>
+                </a:lnTo>
+                <a:lnTo>
+                  <a:pt x="0" y="10000"/>
+                </a:lnTo>
+                <a:lnTo>
+                  <a:pt x="0" y="9126"/>
+                </a:lnTo>
+                <a:lnTo>
+                  <a:pt x="8761" y="9127"/>
+                </a:lnTo>
+                <a:lnTo>
+                  <a:pt x="8761" y="0"/>
+                </a:lnTo>
+                <a:close/>
+              </a:path>
+            </a:pathLst>
+          </a:custGeom>
+          <a:solidFill>
+            <a:schemeClr val="tx2"/>
+          </a:solidFill>
+          <a:ln w="0">
+            <a:noFill/>
+            <a:prstDash val="solid"/>
+            <a:round/>
+            <a:headEnd/>
+            <a:tailEnd/>
+          </a:ln>
+        </p:spPr>
+      </p:sp>
+      <p:sp>
+        <p:nvSpPr>
+          <p:cNvPr id="17" name="Freeform 6">
+            <a:extLst>
+              <a:ext uri="{FF2B5EF4-FFF2-40B4-BE49-F238E27FC236}">
+                <a16:creationId xmlns:a16="http://schemas.microsoft.com/office/drawing/2014/main" id="{D97A8A26-FD96-4968-A34A-727382AC7E46}"/>
+              </a:ext>
+              <a:ext uri="{C183D7F6-B498-43B3-948B-1728B52AA6E4}">
+                <adec:decorative xmlns:adec="http://schemas.microsoft.com/office/drawing/2017/decorative" val="1"/>
+              </a:ext>
+            </a:extLst>
+          </p:cNvPr>
+          <p:cNvSpPr>
+            <a:spLocks noGrp="1" noRot="1" noChangeAspect="1" noMove="1" noResize="1" noEditPoints="1" noAdjustHandles="1" noChangeArrowheads="1" noChangeShapeType="1" noTextEdit="1"/>
+          </p:cNvSpPr>
+          <p:nvPr>
+            <p:extLst>
+              <p:ext uri="{386F3935-93C4-4BCD-93E2-E3B085C9AB24}">
+                <p16:designElem xmlns:p16="http://schemas.microsoft.com/office/powerpoint/2015/main" val="1"/>
+              </p:ext>
+            </p:extLst>
+          </p:nvPr>
+        </p:nvSpPr>
+        <p:spPr bwMode="auto">
+          <a:xfrm flipH="1" flipV="1">
+            <a:off x="649163" y="634028"/>
+            <a:ext cx="3275668" cy="4408488"/>
+          </a:xfrm>
+          <a:custGeom>
+            <a:avLst/>
+            <a:gdLst/>
+            <a:ahLst/>
+            <a:cxnLst/>
+            <a:rect l="l" t="t" r="r" b="b"/>
+            <a:pathLst>
+              <a:path w="10002" h="10000">
+                <a:moveTo>
+                  <a:pt x="8763" y="0"/>
+                </a:moveTo>
+                <a:lnTo>
+                  <a:pt x="10002" y="0"/>
+                </a:lnTo>
+                <a:lnTo>
+                  <a:pt x="10002" y="10000"/>
+                </a:lnTo>
+                <a:lnTo>
+                  <a:pt x="2" y="10000"/>
+                </a:lnTo>
+                <a:cubicBezTo>
+                  <a:pt x="-2" y="9698"/>
+                  <a:pt x="4" y="9427"/>
+                  <a:pt x="0" y="9125"/>
+                </a:cubicBezTo>
+                <a:lnTo>
+                  <a:pt x="8763" y="9128"/>
+                </a:lnTo>
+                <a:lnTo>
+                  <a:pt x="8763" y="0"/>
+                </a:lnTo>
+                <a:close/>
+              </a:path>
+            </a:pathLst>
+          </a:custGeom>
+          <a:solidFill>
+            <a:schemeClr val="tx2"/>
+          </a:solidFill>
+          <a:ln w="0">
+            <a:noFill/>
+            <a:prstDash val="solid"/>
+            <a:round/>
+            <a:headEnd/>
+            <a:tailEnd/>
+          </a:ln>
+        </p:spPr>
+      </p:sp>
+      <p:pic>
+        <p:nvPicPr>
+          <p:cNvPr id="4" name="Picture 6" descr="Kuvahaun tulos haulle graphql">
+            <a:extLst>
+              <a:ext uri="{FF2B5EF4-FFF2-40B4-BE49-F238E27FC236}">
+                <a16:creationId xmlns:a16="http://schemas.microsoft.com/office/drawing/2014/main" id="{FCE4AE31-97D2-4A01-A513-F21327D496DD}"/>
+              </a:ext>
+            </a:extLst>
+          </p:cNvPr>
+          <p:cNvPicPr>
+            <a:picLocks noGrp="1" noChangeAspect="1" noChangeArrowheads="1"/>
+          </p:cNvPicPr>
+          <p:nvPr>
+            <p:ph idx="1"/>
+          </p:nvPr>
+        </p:nvPicPr>
+        <p:blipFill>
+          <a:blip r:embed="rId2">
+            <a:extLst>
+              <a:ext uri="{28A0092B-C50C-407E-A947-70E740481C1C}">
+                <a14:useLocalDpi xmlns:a14="http://schemas.microsoft.com/office/drawing/2010/main" val="0"/>
+              </a:ext>
+            </a:extLst>
+          </a:blip>
+          <a:stretch>
+            <a:fillRect/>
+          </a:stretch>
+        </p:blipFill>
+        <p:spPr bwMode="auto">
+          <a:xfrm>
+            <a:off x="1371403" y="1425173"/>
+            <a:ext cx="4207669" cy="4207669"/>
+          </a:xfrm>
+          <a:prstGeom prst="rect">
+            <a:avLst/>
+          </a:prstGeom>
+          <a:noFill/>
+          <a:extLst>
+            <a:ext uri="{909E8E84-426E-40DD-AFC4-6F175D3DCCD1}">
+              <a14:hiddenFill xmlns:a14="http://schemas.microsoft.com/office/drawing/2010/main">
+                <a:solidFill>
+                  <a:srgbClr val="FFFFFF"/>
+                </a:solidFill>
+              </a14:hiddenFill>
+            </a:ext>
+          </a:extLst>
+        </p:spPr>
+      </p:pic>
+    </p:spTree>
+    <p:extLst>
+      <p:ext uri="{BB962C8B-B14F-4D97-AF65-F5344CB8AC3E}">
+        <p14:creationId xmlns:p14="http://schemas.microsoft.com/office/powerpoint/2010/main" val="1140537698"/>
+      </p:ext>
+    </p:extLst>
+  </p:cSld>
+  <p:clrMapOvr>
+    <a:masterClrMapping/>
+  </p:clrMapOvr>
+</p:sld>
+</file>
+
+<file path=ppt/slides/slide37.xml><?xml version="1.0" encoding="utf-8"?>
+<p:sld xmlns:a="http://schemas.openxmlformats.org/drawingml/2006/main" xmlns:r="http://schemas.openxmlformats.org/officeDocument/2006/relationships" xmlns:p="http://schemas.openxmlformats.org/presentationml/2006/main">
+  <p:cSld>
+    <p:spTree>
+      <p:nvGrpSpPr>
+        <p:cNvPr id="1" name=""/>
+        <p:cNvGrpSpPr/>
+        <p:nvPr/>
+      </p:nvGrpSpPr>
+      <p:grpSpPr>
+        <a:xfrm>
+          <a:off x="0" y="0"/>
+          <a:ext cx="0" cy="0"/>
+          <a:chOff x="0" y="0"/>
+          <a:chExt cx="0" cy="0"/>
+        </a:xfrm>
+      </p:grpSpPr>
+      <p:sp>
+        <p:nvSpPr>
+          <p:cNvPr id="2" name="Title 1">
+            <a:extLst>
+              <a:ext uri="{FF2B5EF4-FFF2-40B4-BE49-F238E27FC236}">
+                <a16:creationId xmlns:a16="http://schemas.microsoft.com/office/drawing/2014/main" id="{FC7E3088-DB9F-422E-A6DB-E7ABF5E40E7F}"/>
+              </a:ext>
+            </a:extLst>
+          </p:cNvPr>
+          <p:cNvSpPr>
+            <a:spLocks noGrp="1"/>
+          </p:cNvSpPr>
+          <p:nvPr>
+            <p:ph type="title"/>
+          </p:nvPr>
+        </p:nvSpPr>
+        <p:spPr/>
+        <p:txBody>
+          <a:bodyPr/>
+          <a:lstStyle/>
+          <a:p>
+            <a:r>
+              <a:rPr lang="en-US" dirty="0"/>
+              <a:t>Summary</a:t>
+            </a:r>
+            <a:endParaRPr lang="en-FI" dirty="0"/>
+          </a:p>
+        </p:txBody>
+      </p:sp>
+      <p:sp>
+        <p:nvSpPr>
+          <p:cNvPr id="3" name="Content Placeholder 2">
+            <a:extLst>
+              <a:ext uri="{FF2B5EF4-FFF2-40B4-BE49-F238E27FC236}">
+                <a16:creationId xmlns:a16="http://schemas.microsoft.com/office/drawing/2014/main" id="{5BFCAF94-27A7-48D8-8E5D-FE154A02AEF8}"/>
+              </a:ext>
+            </a:extLst>
+          </p:cNvPr>
+          <p:cNvSpPr>
+            <a:spLocks noGrp="1"/>
+          </p:cNvSpPr>
+          <p:nvPr>
+            <p:ph idx="1"/>
+          </p:nvPr>
+        </p:nvSpPr>
+        <p:spPr>
+          <a:xfrm>
+            <a:off x="5024760" y="2286000"/>
+            <a:ext cx="5948039" cy="3581400"/>
+          </a:xfrm>
+        </p:spPr>
+        <p:txBody>
+          <a:bodyPr>
+            <a:normAutofit/>
+          </a:bodyPr>
+          <a:lstStyle/>
+          <a:p>
+            <a:pPr marL="0" indent="0">
+              <a:buNone/>
+            </a:pPr>
+            <a:r>
+              <a:rPr lang="en-US" dirty="0"/>
+              <a:t>… is versatile and easy to use </a:t>
+            </a:r>
+          </a:p>
+          <a:p>
+            <a:pPr marL="0" indent="0">
+              <a:buNone/>
+            </a:pPr>
+            <a:r>
+              <a:rPr lang="en-US" dirty="0"/>
+              <a:t>… can drastically improve performance</a:t>
+            </a:r>
+          </a:p>
+          <a:p>
+            <a:pPr marL="0" indent="0">
+              <a:buNone/>
+            </a:pPr>
+            <a:r>
+              <a:rPr lang="en-US" dirty="0"/>
+              <a:t>… has many tech giants adopting it</a:t>
+            </a:r>
+          </a:p>
+          <a:p>
+            <a:pPr marL="0" indent="0">
+              <a:buNone/>
+            </a:pPr>
+            <a:r>
+              <a:rPr lang="en-US" dirty="0"/>
+              <a:t>… is rapidly evolving</a:t>
+            </a:r>
+          </a:p>
+          <a:p>
+            <a:pPr marL="0" indent="0">
+              <a:buNone/>
+            </a:pPr>
+            <a:r>
+              <a:rPr lang="en-US" dirty="0"/>
+              <a:t>… gets exactly what you want and not more</a:t>
+            </a:r>
+          </a:p>
+          <a:p>
+            <a:pPr marL="0" indent="0">
+              <a:buNone/>
+            </a:pPr>
+            <a:r>
+              <a:rPr lang="en-US" dirty="0"/>
+              <a:t>… is supported by many languages and frameworks</a:t>
+            </a:r>
+          </a:p>
+        </p:txBody>
+      </p:sp>
+      <p:pic>
+        <p:nvPicPr>
+          <p:cNvPr id="4" name="Picture 6" descr="Kuvahaun tulos haulle graphql">
+            <a:extLst>
+              <a:ext uri="{FF2B5EF4-FFF2-40B4-BE49-F238E27FC236}">
+                <a16:creationId xmlns:a16="http://schemas.microsoft.com/office/drawing/2014/main" id="{6AF69095-B4A7-49C4-AAAB-FF43CF1C88CB}"/>
+              </a:ext>
+            </a:extLst>
+          </p:cNvPr>
+          <p:cNvPicPr>
+            <a:picLocks noChangeAspect="1" noChangeArrowheads="1"/>
+          </p:cNvPicPr>
+          <p:nvPr/>
+        </p:nvPicPr>
+        <p:blipFill>
+          <a:blip r:embed="rId2">
+            <a:extLst>
+              <a:ext uri="{28A0092B-C50C-407E-A947-70E740481C1C}">
+                <a14:useLocalDpi xmlns:a14="http://schemas.microsoft.com/office/drawing/2010/main" val="0"/>
+              </a:ext>
+            </a:extLst>
+          </a:blip>
+          <a:srcRect/>
+          <a:stretch>
+            <a:fillRect/>
+          </a:stretch>
+        </p:blipFill>
+        <p:spPr bwMode="auto">
+          <a:xfrm>
+            <a:off x="1464816" y="2056290"/>
+            <a:ext cx="3101636" cy="3101636"/>
+          </a:xfrm>
+          <a:prstGeom prst="rect">
+            <a:avLst/>
+          </a:prstGeom>
+          <a:noFill/>
+          <a:extLst>
+            <a:ext uri="{909E8E84-426E-40DD-AFC4-6F175D3DCCD1}">
+              <a14:hiddenFill xmlns:a14="http://schemas.microsoft.com/office/drawing/2010/main">
+                <a:solidFill>
+                  <a:srgbClr val="FFFFFF"/>
+                </a:solidFill>
+              </a14:hiddenFill>
+            </a:ext>
+          </a:extLst>
+        </p:spPr>
+      </p:pic>
+    </p:spTree>
+    <p:extLst>
+      <p:ext uri="{BB962C8B-B14F-4D97-AF65-F5344CB8AC3E}">
+        <p14:creationId xmlns:p14="http://schemas.microsoft.com/office/powerpoint/2010/main" val="1318911413"/>
+      </p:ext>
+    </p:extLst>
+  </p:cSld>
+  <p:clrMapOvr>
+    <a:masterClrMapping/>
+  </p:clrMapOvr>
+</p:sld>
+</file>
+
+<file path=ppt/slides/slide38.xml><?xml version="1.0" encoding="utf-8"?>
+<p:sld xmlns:a="http://schemas.openxmlformats.org/drawingml/2006/main" xmlns:r="http://schemas.openxmlformats.org/officeDocument/2006/relationships" xmlns:p="http://schemas.openxmlformats.org/presentationml/2006/main">
+  <p:cSld>
+    <p:spTree>
+      <p:nvGrpSpPr>
+        <p:cNvPr id="1" name=""/>
+        <p:cNvGrpSpPr/>
+        <p:nvPr/>
+      </p:nvGrpSpPr>
+      <p:grpSpPr>
+        <a:xfrm>
+          <a:off x="0" y="0"/>
+          <a:ext cx="0" cy="0"/>
+          <a:chOff x="0" y="0"/>
+          <a:chExt cx="0" cy="0"/>
+        </a:xfrm>
+      </p:grpSpPr>
+      <p:sp>
+        <p:nvSpPr>
+          <p:cNvPr id="2" name="Title 1">
+            <a:extLst>
+              <a:ext uri="{FF2B5EF4-FFF2-40B4-BE49-F238E27FC236}">
+                <a16:creationId xmlns:a16="http://schemas.microsoft.com/office/drawing/2014/main" id="{FC7E3088-DB9F-422E-A6DB-E7ABF5E40E7F}"/>
+              </a:ext>
+            </a:extLst>
+          </p:cNvPr>
+          <p:cNvSpPr>
+            <a:spLocks noGrp="1"/>
+          </p:cNvSpPr>
+          <p:nvPr>
+            <p:ph type="title"/>
+          </p:nvPr>
+        </p:nvSpPr>
+        <p:spPr/>
+        <p:txBody>
+          <a:bodyPr/>
+          <a:lstStyle/>
+          <a:p>
+            <a:r>
+              <a:rPr lang="en-US" dirty="0"/>
+              <a:t>Thank you!</a:t>
+            </a:r>
+            <a:endParaRPr lang="en-FI" dirty="0"/>
+          </a:p>
+        </p:txBody>
+      </p:sp>
+      <p:sp>
+        <p:nvSpPr>
+          <p:cNvPr id="3" name="Content Placeholder 2">
+            <a:extLst>
+              <a:ext uri="{FF2B5EF4-FFF2-40B4-BE49-F238E27FC236}">
+                <a16:creationId xmlns:a16="http://schemas.microsoft.com/office/drawing/2014/main" id="{5BFCAF94-27A7-48D8-8E5D-FE154A02AEF8}"/>
+              </a:ext>
+            </a:extLst>
+          </p:cNvPr>
+          <p:cNvSpPr>
+            <a:spLocks noGrp="1"/>
+          </p:cNvSpPr>
+          <p:nvPr>
+            <p:ph idx="1"/>
+          </p:nvPr>
+        </p:nvSpPr>
+        <p:spPr/>
+        <p:txBody>
+          <a:bodyPr>
+            <a:normAutofit/>
+          </a:bodyPr>
+          <a:lstStyle/>
+          <a:p>
+            <a:endParaRPr lang="en-US" dirty="0"/>
+          </a:p>
+        </p:txBody>
+      </p:sp>
+      <p:pic>
+        <p:nvPicPr>
+          <p:cNvPr id="4" name="Picture 6" descr="Kuvahaun tulos haulle graphql">
+            <a:extLst>
+              <a:ext uri="{FF2B5EF4-FFF2-40B4-BE49-F238E27FC236}">
+                <a16:creationId xmlns:a16="http://schemas.microsoft.com/office/drawing/2014/main" id="{6AF69095-B4A7-49C4-AAAB-FF43CF1C88CB}"/>
+              </a:ext>
+            </a:extLst>
+          </p:cNvPr>
+          <p:cNvPicPr>
+            <a:picLocks noChangeAspect="1" noChangeArrowheads="1"/>
+          </p:cNvPicPr>
+          <p:nvPr/>
+        </p:nvPicPr>
+        <p:blipFill>
+          <a:blip r:embed="rId2">
+            <a:extLst>
+              <a:ext uri="{28A0092B-C50C-407E-A947-70E740481C1C}">
+                <a14:useLocalDpi xmlns:a14="http://schemas.microsoft.com/office/drawing/2010/main" val="0"/>
+              </a:ext>
+            </a:extLst>
+          </a:blip>
+          <a:srcRect/>
+          <a:stretch>
+            <a:fillRect/>
+          </a:stretch>
+        </p:blipFill>
+        <p:spPr bwMode="auto">
+          <a:xfrm>
+            <a:off x="10972800" y="685800"/>
+            <a:ext cx="951722" cy="951722"/>
+          </a:xfrm>
+          <a:prstGeom prst="rect">
+            <a:avLst/>
+          </a:prstGeom>
+          <a:noFill/>
+          <a:extLst>
+            <a:ext uri="{909E8E84-426E-40DD-AFC4-6F175D3DCCD1}">
+              <a14:hiddenFill xmlns:a14="http://schemas.microsoft.com/office/drawing/2010/main">
+                <a:solidFill>
+                  <a:srgbClr val="FFFFFF"/>
+                </a:solidFill>
+              </a14:hiddenFill>
+            </a:ext>
+          </a:extLst>
+        </p:spPr>
+      </p:pic>
+    </p:spTree>
+    <p:extLst>
+      <p:ext uri="{BB962C8B-B14F-4D97-AF65-F5344CB8AC3E}">
+        <p14:creationId xmlns:p14="http://schemas.microsoft.com/office/powerpoint/2010/main" val="3266935647"/>
+      </p:ext>
+    </p:extLst>
+  </p:cSld>
+  <p:clrMapOvr>
+    <a:masterClrMapping/>
   </p:clrMapOvr>
 </p:sld>
 </file>
